--- a/PPTs/LX Adverserial Attacks.pptx
+++ b/PPTs/LX Adverserial Attacks.pptx
@@ -5,12 +5,17 @@
     <p:sldMasterId id="2147483648" r:id="rId1"/>
   </p:sldMasterIdLst>
   <p:notesMasterIdLst>
-    <p:notesMasterId r:id="rId5"/>
+    <p:notesMasterId r:id="rId10"/>
   </p:notesMasterIdLst>
   <p:sldIdLst>
     <p:sldId id="376" r:id="rId2"/>
-    <p:sldId id="377" r:id="rId3"/>
-    <p:sldId id="378" r:id="rId4"/>
+    <p:sldId id="379" r:id="rId3"/>
+    <p:sldId id="380" r:id="rId4"/>
+    <p:sldId id="381" r:id="rId5"/>
+    <p:sldId id="377" r:id="rId6"/>
+    <p:sldId id="383" r:id="rId7"/>
+    <p:sldId id="378" r:id="rId8"/>
+    <p:sldId id="382" r:id="rId9"/>
   </p:sldIdLst>
   <p:sldSz cx="9144000" cy="6858000" type="screen4x3"/>
   <p:notesSz cx="6858000" cy="9144000"/>
@@ -145,8 +150,13 @@
         <p14:section name="Default Section" id="{77942E4D-44FA-4853-8CF7-938F2AED9C5E}">
           <p14:sldIdLst>
             <p14:sldId id="376"/>
+            <p14:sldId id="379"/>
+            <p14:sldId id="380"/>
+            <p14:sldId id="381"/>
             <p14:sldId id="377"/>
+            <p14:sldId id="383"/>
             <p14:sldId id="378"/>
+            <p14:sldId id="382"/>
           </p14:sldIdLst>
         </p14:section>
       </p14:sectionLst>
@@ -611,6 +621,245 @@
     </a:lvl9pPr>
   </p:notesStyle>
 </p:notesMaster>
+</file>
+
+<file path=ppt/notesSlides/notesSlide1.xml><?xml version="1.0" encoding="utf-8"?>
+<p:notes xmlns:a="http://schemas.openxmlformats.org/drawingml/2006/main" xmlns:r="http://schemas.openxmlformats.org/officeDocument/2006/relationships" xmlns:p="http://schemas.openxmlformats.org/presentationml/2006/main">
+  <p:cSld>
+    <p:spTree>
+      <p:nvGrpSpPr>
+        <p:cNvPr id="1" name=""/>
+        <p:cNvGrpSpPr/>
+        <p:nvPr/>
+      </p:nvGrpSpPr>
+      <p:grpSpPr>
+        <a:xfrm>
+          <a:off x="0" y="0"/>
+          <a:ext cx="0" cy="0"/>
+          <a:chOff x="0" y="0"/>
+          <a:chExt cx="0" cy="0"/>
+        </a:xfrm>
+      </p:grpSpPr>
+      <p:sp>
+        <p:nvSpPr>
+          <p:cNvPr id="2" name="Slide Image Placeholder 1"/>
+          <p:cNvSpPr>
+            <a:spLocks noGrp="1" noRot="1" noChangeAspect="1"/>
+          </p:cNvSpPr>
+          <p:nvPr>
+            <p:ph type="sldImg"/>
+          </p:nvPr>
+        </p:nvSpPr>
+        <p:spPr/>
+      </p:sp>
+      <mc:AlternateContent xmlns:mc="http://schemas.openxmlformats.org/markup-compatibility/2006">
+        <mc:Choice xmlns:a14="http://schemas.microsoft.com/office/drawing/2010/main" Requires="a14">
+          <p:sp>
+            <p:nvSpPr>
+              <p:cNvPr id="3" name="Notes Placeholder 2"/>
+              <p:cNvSpPr>
+                <a:spLocks noGrp="1"/>
+              </p:cNvSpPr>
+              <p:nvPr>
+                <p:ph type="body" idx="1"/>
+              </p:nvPr>
+            </p:nvSpPr>
+            <p:spPr/>
+            <p:txBody>
+              <a:bodyPr/>
+              <a:lstStyle/>
+              <a:p>
+                <a:r>
+                  <a:rPr lang="en-US" dirty="0"/>
+                  <a:t>(</a:t>
+                </a:r>
+                <a14:m>
+                  <m:oMath xmlns:m="http://schemas.openxmlformats.org/officeDocument/2006/math">
+                    <m:r>
+                      <a:rPr lang="en-US" i="1">
+                        <a:latin typeface="Cambria Math" panose="02040503050406030204" pitchFamily="18" charset="0"/>
+                      </a:rPr>
+                      <m:t>𝐶</m:t>
+                    </m:r>
+                    <m:d>
+                      <m:dPr>
+                        <m:ctrlPr>
+                          <a:rPr lang="en-US" i="1">
+                            <a:latin typeface="Cambria Math" panose="02040503050406030204" pitchFamily="18" charset="0"/>
+                          </a:rPr>
+                        </m:ctrlPr>
+                      </m:dPr>
+                      <m:e>
+                        <m:r>
+                          <a:rPr lang="en-US" i="1">
+                            <a:latin typeface="Cambria Math" panose="02040503050406030204" pitchFamily="18" charset="0"/>
+                          </a:rPr>
+                          <m:t>𝑥</m:t>
+                        </m:r>
+                      </m:e>
+                    </m:d>
+                    <m:r>
+                      <a:rPr lang="en-US" i="1">
+                        <a:latin typeface="Cambria Math" panose="02040503050406030204" pitchFamily="18" charset="0"/>
+                      </a:rPr>
+                      <m:t>=</m:t>
+                    </m:r>
+                    <m:func>
+                      <m:funcPr>
+                        <m:ctrlPr>
+                          <a:rPr lang="en-US" i="1">
+                            <a:latin typeface="Cambria Math" panose="02040503050406030204" pitchFamily="18" charset="0"/>
+                          </a:rPr>
+                        </m:ctrlPr>
+                      </m:funcPr>
+                      <m:fName>
+                        <m:sSub>
+                          <m:sSubPr>
+                            <m:ctrlPr>
+                              <a:rPr lang="en-US" i="1">
+                                <a:latin typeface="Cambria Math" panose="02040503050406030204" pitchFamily="18" charset="0"/>
+                              </a:rPr>
+                            </m:ctrlPr>
+                          </m:sSubPr>
+                          <m:e>
+                            <m:r>
+                              <m:rPr>
+                                <m:sty m:val="p"/>
+                              </m:rPr>
+                              <a:rPr lang="en-US">
+                                <a:latin typeface="Cambria Math" panose="02040503050406030204" pitchFamily="18" charset="0"/>
+                              </a:rPr>
+                              <m:t>argmax</m:t>
+                            </m:r>
+                          </m:e>
+                          <m:sub>
+                            <m:r>
+                              <m:rPr>
+                                <m:sty m:val="p"/>
+                              </m:rPr>
+                              <a:rPr lang="en-US">
+                                <a:latin typeface="Cambria Math" panose="02040503050406030204" pitchFamily="18" charset="0"/>
+                              </a:rPr>
+                              <m:t>i</m:t>
+                            </m:r>
+                          </m:sub>
+                        </m:sSub>
+                      </m:fName>
+                      <m:e>
+                        <m:sSub>
+                          <m:sSubPr>
+                            <m:ctrlPr>
+                              <a:rPr lang="en-US" i="1">
+                                <a:latin typeface="Cambria Math" panose="02040503050406030204" pitchFamily="18" charset="0"/>
+                              </a:rPr>
+                            </m:ctrlPr>
+                          </m:sSubPr>
+                          <m:e>
+                            <m:r>
+                              <a:rPr lang="en-US" i="1">
+                                <a:latin typeface="Cambria Math" panose="02040503050406030204" pitchFamily="18" charset="0"/>
+                              </a:rPr>
+                              <m:t>𝑦</m:t>
+                            </m:r>
+                          </m:e>
+                          <m:sub>
+                            <m:r>
+                              <a:rPr lang="en-US" i="1">
+                                <a:latin typeface="Cambria Math" panose="02040503050406030204" pitchFamily="18" charset="0"/>
+                              </a:rPr>
+                              <m:t>𝑖</m:t>
+                            </m:r>
+                          </m:sub>
+                        </m:sSub>
+                      </m:e>
+                    </m:func>
+                  </m:oMath>
+                </a14:m>
+                <a:r>
+                  <a:rPr lang="en-US" dirty="0"/>
+                  <a:t>) (assuming a SoftMax classifier)</a:t>
+                </a:r>
+                <a:endParaRPr lang="en-SE" dirty="0"/>
+              </a:p>
+            </p:txBody>
+          </p:sp>
+        </mc:Choice>
+        <mc:Fallback>
+          <p:sp>
+            <p:nvSpPr>
+              <p:cNvPr id="3" name="Notes Placeholder 2"/>
+              <p:cNvSpPr>
+                <a:spLocks noGrp="1"/>
+              </p:cNvSpPr>
+              <p:nvPr>
+                <p:ph type="body" idx="1"/>
+              </p:nvPr>
+            </p:nvSpPr>
+            <p:spPr/>
+            <p:txBody>
+              <a:bodyPr/>
+              <a:lstStyle/>
+              <a:p>
+                <a:r>
+                  <a:rPr lang="en-US" dirty="0"/>
+                  <a:t>(</a:t>
+                </a:r>
+                <a:r>
+                  <a:rPr lang="en-US" i="0">
+                    <a:latin typeface="Cambria Math" panose="02040503050406030204" pitchFamily="18" charset="0"/>
+                  </a:rPr>
+                  <a:t>𝐶(𝑥)=argmax_i⁡〖𝑦_𝑖 〗</a:t>
+                </a:r>
+                <a:r>
+                  <a:rPr lang="en-US" dirty="0"/>
+                  <a:t>) (assuming a SoftMax classifier)</a:t>
+                </a:r>
+                <a:endParaRPr lang="en-SE" dirty="0"/>
+              </a:p>
+            </p:txBody>
+          </p:sp>
+        </mc:Fallback>
+      </mc:AlternateContent>
+      <p:sp>
+        <p:nvSpPr>
+          <p:cNvPr id="4" name="Slide Number Placeholder 3"/>
+          <p:cNvSpPr>
+            <a:spLocks noGrp="1"/>
+          </p:cNvSpPr>
+          <p:nvPr>
+            <p:ph type="sldNum" sz="quarter" idx="5"/>
+          </p:nvPr>
+        </p:nvSpPr>
+        <p:spPr/>
+        <p:txBody>
+          <a:bodyPr/>
+          <a:lstStyle/>
+          <a:p>
+            <a:pPr>
+              <a:defRPr/>
+            </a:pPr>
+            <a:fld id="{6FA21340-DBF0-4FAC-9DE2-FD6DB24B56C8}" type="slidenum">
+              <a:rPr lang="en-US" altLang="zh-CN" smtClean="0"/>
+              <a:pPr>
+                <a:defRPr/>
+              </a:pPr>
+              <a:t>4</a:t>
+            </a:fld>
+            <a:endParaRPr lang="en-US" altLang="zh-CN"/>
+          </a:p>
+        </p:txBody>
+      </p:sp>
+    </p:spTree>
+    <p:extLst>
+      <p:ext uri="{BB962C8B-B14F-4D97-AF65-F5344CB8AC3E}">
+        <p14:creationId xmlns:p14="http://schemas.microsoft.com/office/powerpoint/2010/main" val="1442251618"/>
+      </p:ext>
+    </p:extLst>
+  </p:cSld>
+  <p:clrMapOvr>
+    <a:masterClrMapping/>
+  </p:clrMapOvr>
+</p:notes>
 </file>
 
 <file path=ppt/slideLayouts/slideLayout1.xml><?xml version="1.0" encoding="utf-8"?>
@@ -3028,6 +3277,53 @@
           </a:p>
         </p:txBody>
       </p:sp>
+      <p:pic>
+        <p:nvPicPr>
+          <p:cNvPr id="1026" name="Picture 2">
+            <a:extLst>
+              <a:ext uri="{FF2B5EF4-FFF2-40B4-BE49-F238E27FC236}">
+                <a16:creationId xmlns:a16="http://schemas.microsoft.com/office/drawing/2014/main" id="{13C3BE56-8BBD-4178-B673-03F22AB6009B}"/>
+              </a:ext>
+            </a:extLst>
+          </p:cNvPr>
+          <p:cNvPicPr>
+            <a:picLocks noChangeAspect="1" noChangeArrowheads="1"/>
+          </p:cNvPicPr>
+          <p:nvPr/>
+        </p:nvPicPr>
+        <p:blipFill>
+          <a:blip r:embed="rId2">
+            <a:extLst>
+              <a:ext uri="{28A0092B-C50C-407E-A947-70E740481C1C}">
+                <a14:useLocalDpi xmlns:a14="http://schemas.microsoft.com/office/drawing/2010/main" val="0"/>
+              </a:ext>
+            </a:extLst>
+          </a:blip>
+          <a:srcRect/>
+          <a:stretch>
+            <a:fillRect/>
+          </a:stretch>
+        </p:blipFill>
+        <p:spPr bwMode="auto">
+          <a:xfrm>
+            <a:off x="1651195" y="4509120"/>
+            <a:ext cx="5841609" cy="2212354"/>
+          </a:xfrm>
+          <a:prstGeom prst="rect">
+            <a:avLst/>
+          </a:prstGeom>
+          <a:noFill/>
+          <a:extLst>
+            <a:ext uri="{909E8E84-426E-40DD-AFC4-6F175D3DCCD1}">
+              <a14:hiddenFill xmlns:a14="http://schemas.microsoft.com/office/drawing/2010/main">
+                <a:solidFill>
+                  <a:srgbClr val="FFFFFF"/>
+                </a:solidFill>
+              </a14:hiddenFill>
+            </a:ext>
+          </a:extLst>
+        </p:spPr>
+      </p:pic>
     </p:spTree>
     <p:extLst>
       <p:ext uri="{BB962C8B-B14F-4D97-AF65-F5344CB8AC3E}">
@@ -3042,6 +3338,1115 @@
 </file>
 
 <file path=ppt/slides/slide2.xml><?xml version="1.0" encoding="utf-8"?>
+<p:sld xmlns:a="http://schemas.openxmlformats.org/drawingml/2006/main" xmlns:r="http://schemas.openxmlformats.org/officeDocument/2006/relationships" xmlns:p="http://schemas.openxmlformats.org/presentationml/2006/main">
+  <p:cSld>
+    <p:spTree>
+      <p:nvGrpSpPr>
+        <p:cNvPr id="1" name=""/>
+        <p:cNvGrpSpPr/>
+        <p:nvPr/>
+      </p:nvGrpSpPr>
+      <p:grpSpPr>
+        <a:xfrm>
+          <a:off x="0" y="0"/>
+          <a:ext cx="0" cy="0"/>
+          <a:chOff x="0" y="0"/>
+          <a:chExt cx="0" cy="0"/>
+        </a:xfrm>
+      </p:grpSpPr>
+      <p:sp>
+        <p:nvSpPr>
+          <p:cNvPr id="2" name="Title 1">
+            <a:extLst>
+              <a:ext uri="{FF2B5EF4-FFF2-40B4-BE49-F238E27FC236}">
+                <a16:creationId xmlns:a16="http://schemas.microsoft.com/office/drawing/2014/main" id="{80EEE044-95F3-46A5-9DBA-2EDDE8B42C8A}"/>
+              </a:ext>
+            </a:extLst>
+          </p:cNvPr>
+          <p:cNvSpPr>
+            <a:spLocks noGrp="1"/>
+          </p:cNvSpPr>
+          <p:nvPr>
+            <p:ph type="title"/>
+          </p:nvPr>
+        </p:nvSpPr>
+        <p:spPr/>
+        <p:txBody>
+          <a:bodyPr/>
+          <a:lstStyle/>
+          <a:p>
+            <a:r>
+              <a:rPr lang="en-US" dirty="0"/>
+              <a:t>Outline</a:t>
+            </a:r>
+            <a:endParaRPr lang="en-SE" dirty="0"/>
+          </a:p>
+        </p:txBody>
+      </p:sp>
+      <p:sp>
+        <p:nvSpPr>
+          <p:cNvPr id="3" name="Content Placeholder 2">
+            <a:extLst>
+              <a:ext uri="{FF2B5EF4-FFF2-40B4-BE49-F238E27FC236}">
+                <a16:creationId xmlns:a16="http://schemas.microsoft.com/office/drawing/2014/main" id="{06D4E8E8-0ADC-4CC2-A700-823362CA4728}"/>
+              </a:ext>
+            </a:extLst>
+          </p:cNvPr>
+          <p:cNvSpPr>
+            <a:spLocks noGrp="1"/>
+          </p:cNvSpPr>
+          <p:nvPr>
+            <p:ph idx="1"/>
+          </p:nvPr>
+        </p:nvSpPr>
+        <p:spPr/>
+        <p:txBody>
+          <a:bodyPr/>
+          <a:lstStyle/>
+          <a:p>
+            <a:r>
+              <a:rPr lang="en-US" dirty="0"/>
+              <a:t>Adversarial examples</a:t>
+            </a:r>
+          </a:p>
+          <a:p>
+            <a:r>
+              <a:rPr lang="en-US" dirty="0"/>
+              <a:t>White-box attacks</a:t>
+            </a:r>
+          </a:p>
+          <a:p>
+            <a:r>
+              <a:rPr lang="en-US" dirty="0"/>
+              <a:t>Black-box attacks</a:t>
+            </a:r>
+          </a:p>
+          <a:p>
+            <a:r>
+              <a:rPr lang="en-US" dirty="0"/>
+              <a:t>Real-world attacks</a:t>
+            </a:r>
+          </a:p>
+          <a:p>
+            <a:r>
+              <a:rPr lang="en-US" dirty="0"/>
+              <a:t>Adversarial training</a:t>
+            </a:r>
+            <a:endParaRPr lang="en-SE" dirty="0"/>
+          </a:p>
+        </p:txBody>
+      </p:sp>
+      <p:sp>
+        <p:nvSpPr>
+          <p:cNvPr id="4" name="Slide Number Placeholder 3">
+            <a:extLst>
+              <a:ext uri="{FF2B5EF4-FFF2-40B4-BE49-F238E27FC236}">
+                <a16:creationId xmlns:a16="http://schemas.microsoft.com/office/drawing/2014/main" id="{7E5CB527-D76D-4CDE-BD14-0E9E71E1754D}"/>
+              </a:ext>
+            </a:extLst>
+          </p:cNvPr>
+          <p:cNvSpPr>
+            <a:spLocks noGrp="1"/>
+          </p:cNvSpPr>
+          <p:nvPr>
+            <p:ph type="sldNum" sz="quarter" idx="12"/>
+          </p:nvPr>
+        </p:nvSpPr>
+        <p:spPr/>
+        <p:txBody>
+          <a:bodyPr/>
+          <a:lstStyle/>
+          <a:p>
+            <a:pPr>
+              <a:defRPr/>
+            </a:pPr>
+            <a:fld id="{F57F456A-00AF-44E6-8D70-638C0D0130FF}" type="slidenum">
+              <a:rPr lang="en-US" altLang="zh-CN" smtClean="0"/>
+              <a:pPr>
+                <a:defRPr/>
+              </a:pPr>
+              <a:t>2</a:t>
+            </a:fld>
+            <a:endParaRPr lang="en-US" altLang="zh-CN"/>
+          </a:p>
+        </p:txBody>
+      </p:sp>
+    </p:spTree>
+    <p:extLst>
+      <p:ext uri="{BB962C8B-B14F-4D97-AF65-F5344CB8AC3E}">
+        <p14:creationId xmlns:p14="http://schemas.microsoft.com/office/powerpoint/2010/main" val="1811368671"/>
+      </p:ext>
+    </p:extLst>
+  </p:cSld>
+  <p:clrMapOvr>
+    <a:masterClrMapping/>
+  </p:clrMapOvr>
+</p:sld>
+</file>
+
+<file path=ppt/slides/slide3.xml><?xml version="1.0" encoding="utf-8"?>
+<p:sld xmlns:a="http://schemas.openxmlformats.org/drawingml/2006/main" xmlns:r="http://schemas.openxmlformats.org/officeDocument/2006/relationships" xmlns:p="http://schemas.openxmlformats.org/presentationml/2006/main">
+  <p:cSld>
+    <p:spTree>
+      <p:nvGrpSpPr>
+        <p:cNvPr id="1" name=""/>
+        <p:cNvGrpSpPr/>
+        <p:nvPr/>
+      </p:nvGrpSpPr>
+      <p:grpSpPr>
+        <a:xfrm>
+          <a:off x="0" y="0"/>
+          <a:ext cx="0" cy="0"/>
+          <a:chOff x="0" y="0"/>
+          <a:chExt cx="0" cy="0"/>
+        </a:xfrm>
+      </p:grpSpPr>
+      <p:sp>
+        <p:nvSpPr>
+          <p:cNvPr id="2" name="Title 1">
+            <a:extLst>
+              <a:ext uri="{FF2B5EF4-FFF2-40B4-BE49-F238E27FC236}">
+                <a16:creationId xmlns:a16="http://schemas.microsoft.com/office/drawing/2014/main" id="{5F46F2B7-E720-4646-A744-40B941655BD2}"/>
+              </a:ext>
+            </a:extLst>
+          </p:cNvPr>
+          <p:cNvSpPr>
+            <a:spLocks noGrp="1"/>
+          </p:cNvSpPr>
+          <p:nvPr>
+            <p:ph type="title"/>
+          </p:nvPr>
+        </p:nvSpPr>
+        <p:spPr/>
+        <p:txBody>
+          <a:bodyPr/>
+          <a:lstStyle/>
+          <a:p>
+            <a:r>
+              <a:rPr lang="en-US" dirty="0"/>
+              <a:t>An Adversarial Example</a:t>
+            </a:r>
+            <a:endParaRPr lang="en-SE" dirty="0"/>
+          </a:p>
+        </p:txBody>
+      </p:sp>
+      <p:sp>
+        <p:nvSpPr>
+          <p:cNvPr id="3" name="Content Placeholder 2">
+            <a:extLst>
+              <a:ext uri="{FF2B5EF4-FFF2-40B4-BE49-F238E27FC236}">
+                <a16:creationId xmlns:a16="http://schemas.microsoft.com/office/drawing/2014/main" id="{825A01D9-B4DB-4A36-A81E-7F1C69660B26}"/>
+              </a:ext>
+            </a:extLst>
+          </p:cNvPr>
+          <p:cNvSpPr>
+            <a:spLocks noGrp="1"/>
+          </p:cNvSpPr>
+          <p:nvPr>
+            <p:ph idx="1"/>
+          </p:nvPr>
+        </p:nvSpPr>
+        <p:spPr>
+          <a:xfrm>
+            <a:off x="457200" y="1295400"/>
+            <a:ext cx="8229600" cy="1341512"/>
+          </a:xfrm>
+        </p:spPr>
+        <p:txBody>
+          <a:bodyPr>
+            <a:normAutofit fontScale="77500" lnSpcReduction="20000"/>
+          </a:bodyPr>
+          <a:lstStyle/>
+          <a:p>
+            <a:r>
+              <a:rPr lang="en-US" dirty="0"/>
+              <a:t>Starting with an image of a panda, the attacker adds a small perturbation that has been calculated to make the image be recognized as a gibbon with high confidence.</a:t>
+            </a:r>
+          </a:p>
+          <a:p>
+            <a:endParaRPr lang="en-SE" dirty="0"/>
+          </a:p>
+          <a:p>
+            <a:endParaRPr lang="en-SE" dirty="0"/>
+          </a:p>
+        </p:txBody>
+      </p:sp>
+      <p:sp>
+        <p:nvSpPr>
+          <p:cNvPr id="4" name="Slide Number Placeholder 3">
+            <a:extLst>
+              <a:ext uri="{FF2B5EF4-FFF2-40B4-BE49-F238E27FC236}">
+                <a16:creationId xmlns:a16="http://schemas.microsoft.com/office/drawing/2014/main" id="{CE2439E5-638D-40BD-9759-F35BDB839583}"/>
+              </a:ext>
+            </a:extLst>
+          </p:cNvPr>
+          <p:cNvSpPr>
+            <a:spLocks noGrp="1"/>
+          </p:cNvSpPr>
+          <p:nvPr>
+            <p:ph type="sldNum" sz="quarter" idx="12"/>
+          </p:nvPr>
+        </p:nvSpPr>
+        <p:spPr/>
+        <p:txBody>
+          <a:bodyPr/>
+          <a:lstStyle/>
+          <a:p>
+            <a:pPr>
+              <a:defRPr/>
+            </a:pPr>
+            <a:fld id="{F57F456A-00AF-44E6-8D70-638C0D0130FF}" type="slidenum">
+              <a:rPr lang="en-US" altLang="zh-CN" smtClean="0"/>
+              <a:pPr>
+                <a:defRPr/>
+              </a:pPr>
+              <a:t>3</a:t>
+            </a:fld>
+            <a:endParaRPr lang="en-US" altLang="zh-CN"/>
+          </a:p>
+        </p:txBody>
+      </p:sp>
+      <p:pic>
+        <p:nvPicPr>
+          <p:cNvPr id="6" name="Picture 5">
+            <a:extLst>
+              <a:ext uri="{FF2B5EF4-FFF2-40B4-BE49-F238E27FC236}">
+                <a16:creationId xmlns:a16="http://schemas.microsoft.com/office/drawing/2014/main" id="{72F029C4-9F9C-495B-A97A-056FB24D0DA2}"/>
+              </a:ext>
+            </a:extLst>
+          </p:cNvPr>
+          <p:cNvPicPr>
+            <a:picLocks noChangeAspect="1"/>
+          </p:cNvPicPr>
+          <p:nvPr/>
+        </p:nvPicPr>
+        <p:blipFill>
+          <a:blip r:embed="rId2"/>
+          <a:stretch>
+            <a:fillRect/>
+          </a:stretch>
+        </p:blipFill>
+        <p:spPr>
+          <a:xfrm>
+            <a:off x="208941" y="2852936"/>
+            <a:ext cx="8726118" cy="3324689"/>
+          </a:xfrm>
+          <a:prstGeom prst="rect">
+            <a:avLst/>
+          </a:prstGeom>
+        </p:spPr>
+      </p:pic>
+      <p:sp>
+        <p:nvSpPr>
+          <p:cNvPr id="8" name="TextBox 7">
+            <a:extLst>
+              <a:ext uri="{FF2B5EF4-FFF2-40B4-BE49-F238E27FC236}">
+                <a16:creationId xmlns:a16="http://schemas.microsoft.com/office/drawing/2014/main" id="{5D92C97E-4AED-4F05-BC12-1601216DE5C9}"/>
+              </a:ext>
+            </a:extLst>
+          </p:cNvPr>
+          <p:cNvSpPr txBox="1"/>
+          <p:nvPr/>
+        </p:nvSpPr>
+        <p:spPr>
+          <a:xfrm>
+            <a:off x="2636912" y="6536060"/>
+            <a:ext cx="3870176" cy="253916"/>
+          </a:xfrm>
+          <a:prstGeom prst="rect">
+            <a:avLst/>
+          </a:prstGeom>
+          <a:noFill/>
+        </p:spPr>
+        <p:txBody>
+          <a:bodyPr wrap="square">
+            <a:spAutoFit/>
+          </a:bodyPr>
+          <a:lstStyle/>
+          <a:p>
+            <a:r>
+              <a:rPr lang="en-SE" sz="1050" dirty="0"/>
+              <a:t>https://openai.com/blog/adversarial-example-research/</a:t>
+            </a:r>
+          </a:p>
+        </p:txBody>
+      </p:sp>
+    </p:spTree>
+    <p:extLst>
+      <p:ext uri="{BB962C8B-B14F-4D97-AF65-F5344CB8AC3E}">
+        <p14:creationId xmlns:p14="http://schemas.microsoft.com/office/powerpoint/2010/main" val="3437409196"/>
+      </p:ext>
+    </p:extLst>
+  </p:cSld>
+  <p:clrMapOvr>
+    <a:masterClrMapping/>
+  </p:clrMapOvr>
+</p:sld>
+</file>
+
+<file path=ppt/slides/slide4.xml><?xml version="1.0" encoding="utf-8"?>
+<p:sld xmlns:a="http://schemas.openxmlformats.org/drawingml/2006/main" xmlns:r="http://schemas.openxmlformats.org/officeDocument/2006/relationships" xmlns:p="http://schemas.openxmlformats.org/presentationml/2006/main">
+  <p:cSld>
+    <p:spTree>
+      <p:nvGrpSpPr>
+        <p:cNvPr id="1" name=""/>
+        <p:cNvGrpSpPr/>
+        <p:nvPr/>
+      </p:nvGrpSpPr>
+      <p:grpSpPr>
+        <a:xfrm>
+          <a:off x="0" y="0"/>
+          <a:ext cx="0" cy="0"/>
+          <a:chOff x="0" y="0"/>
+          <a:chExt cx="0" cy="0"/>
+        </a:xfrm>
+      </p:grpSpPr>
+      <p:sp>
+        <p:nvSpPr>
+          <p:cNvPr id="2" name="Title 1">
+            <a:extLst>
+              <a:ext uri="{FF2B5EF4-FFF2-40B4-BE49-F238E27FC236}">
+                <a16:creationId xmlns:a16="http://schemas.microsoft.com/office/drawing/2014/main" id="{61E7D1B9-03BA-409D-8B39-A200D902A261}"/>
+              </a:ext>
+            </a:extLst>
+          </p:cNvPr>
+          <p:cNvSpPr>
+            <a:spLocks noGrp="1"/>
+          </p:cNvSpPr>
+          <p:nvPr>
+            <p:ph type="title"/>
+          </p:nvPr>
+        </p:nvSpPr>
+        <p:spPr/>
+        <p:txBody>
+          <a:bodyPr/>
+          <a:lstStyle/>
+          <a:p>
+            <a:r>
+              <a:rPr lang="en-US" dirty="0"/>
+              <a:t>Problem Formulation</a:t>
+            </a:r>
+            <a:endParaRPr lang="en-SE" dirty="0"/>
+          </a:p>
+        </p:txBody>
+      </p:sp>
+      <mc:AlternateContent xmlns:mc="http://schemas.openxmlformats.org/markup-compatibility/2006">
+        <mc:Choice xmlns:a14="http://schemas.microsoft.com/office/drawing/2010/main" Requires="a14">
+          <p:sp>
+            <p:nvSpPr>
+              <p:cNvPr id="3" name="Content Placeholder 2">
+                <a:extLst>
+                  <a:ext uri="{FF2B5EF4-FFF2-40B4-BE49-F238E27FC236}">
+                    <a16:creationId xmlns:a16="http://schemas.microsoft.com/office/drawing/2014/main" id="{8E5469DD-9647-4339-8705-1E787794DC28}"/>
+                  </a:ext>
+                </a:extLst>
+              </p:cNvPr>
+              <p:cNvSpPr>
+                <a:spLocks noGrp="1"/>
+              </p:cNvSpPr>
+              <p:nvPr>
+                <p:ph idx="1"/>
+              </p:nvPr>
+            </p:nvSpPr>
+            <p:spPr/>
+            <p:txBody>
+              <a:bodyPr>
+                <a:normAutofit fontScale="77500" lnSpcReduction="20000"/>
+              </a:bodyPr>
+              <a:lstStyle/>
+              <a:p>
+                <a14:m>
+                  <m:oMath xmlns:m="http://schemas.openxmlformats.org/officeDocument/2006/math">
+                    <m:func>
+                      <m:funcPr>
+                        <m:ctrlPr>
+                          <a:rPr lang="en-US" b="0" i="1" smtClean="0">
+                            <a:latin typeface="Cambria Math" panose="02040503050406030204" pitchFamily="18" charset="0"/>
+                          </a:rPr>
+                        </m:ctrlPr>
+                      </m:funcPr>
+                      <m:fName>
+                        <m:limLow>
+                          <m:limLowPr>
+                            <m:ctrlPr>
+                              <a:rPr lang="en-US" b="0" i="1" smtClean="0">
+                                <a:latin typeface="Cambria Math" panose="02040503050406030204" pitchFamily="18" charset="0"/>
+                              </a:rPr>
+                            </m:ctrlPr>
+                          </m:limLowPr>
+                          <m:e>
+                            <m:r>
+                              <m:rPr>
+                                <m:sty m:val="p"/>
+                              </m:rPr>
+                              <a:rPr lang="en-US" b="0" i="0" smtClean="0">
+                                <a:latin typeface="Cambria Math" panose="02040503050406030204" pitchFamily="18" charset="0"/>
+                              </a:rPr>
+                              <m:t>min</m:t>
+                            </m:r>
+                          </m:e>
+                          <m:lim>
+                            <m:r>
+                              <a:rPr lang="en-US" b="0" i="1" smtClean="0">
+                                <a:latin typeface="Cambria Math" panose="02040503050406030204" pitchFamily="18" charset="0"/>
+                              </a:rPr>
+                              <m:t>𝜃</m:t>
+                            </m:r>
+                          </m:lim>
+                        </m:limLow>
+                      </m:fName>
+                      <m:e>
+                        <m:nary>
+                          <m:naryPr>
+                            <m:chr m:val="∑"/>
+                            <m:supHide m:val="on"/>
+                            <m:ctrlPr>
+                              <a:rPr lang="en-US" b="0" i="1" smtClean="0">
+                                <a:latin typeface="Cambria Math" panose="02040503050406030204" pitchFamily="18" charset="0"/>
+                              </a:rPr>
+                            </m:ctrlPr>
+                          </m:naryPr>
+                          <m:sub>
+                            <m:r>
+                              <m:rPr>
+                                <m:brk m:alnAt="7"/>
+                              </m:rPr>
+                              <a:rPr lang="en-US" b="0" i="1" smtClean="0">
+                                <a:latin typeface="Cambria Math" panose="02040503050406030204" pitchFamily="18" charset="0"/>
+                              </a:rPr>
+                              <m:t>𝑥</m:t>
+                            </m:r>
+                            <m:r>
+                              <a:rPr lang="en-US" b="0" i="1" smtClean="0">
+                                <a:latin typeface="Cambria Math" panose="02040503050406030204" pitchFamily="18" charset="0"/>
+                              </a:rPr>
+                              <m:t>,</m:t>
+                            </m:r>
+                            <m:r>
+                              <a:rPr lang="en-US" b="0" i="1" smtClean="0">
+                                <a:latin typeface="Cambria Math" panose="02040503050406030204" pitchFamily="18" charset="0"/>
+                              </a:rPr>
+                              <m:t>𝑦</m:t>
+                            </m:r>
+                            <m:r>
+                              <a:rPr lang="en-US" b="0" i="1" smtClean="0">
+                                <a:latin typeface="Cambria Math" panose="02040503050406030204" pitchFamily="18" charset="0"/>
+                              </a:rPr>
+                              <m:t>∈</m:t>
+                            </m:r>
+                            <m:r>
+                              <a:rPr lang="en-US" b="0" i="1" smtClean="0">
+                                <a:latin typeface="Cambria Math" panose="02040503050406030204" pitchFamily="18" charset="0"/>
+                              </a:rPr>
+                              <m:t>𝑆</m:t>
+                            </m:r>
+                          </m:sub>
+                          <m:sup/>
+                          <m:e>
+                            <m:func>
+                              <m:funcPr>
+                                <m:ctrlPr>
+                                  <a:rPr lang="en-US" b="0" i="1" smtClean="0">
+                                    <a:latin typeface="Cambria Math" panose="02040503050406030204" pitchFamily="18" charset="0"/>
+                                  </a:rPr>
+                                </m:ctrlPr>
+                              </m:funcPr>
+                              <m:fName>
+                                <m:limLow>
+                                  <m:limLowPr>
+                                    <m:ctrlPr>
+                                      <a:rPr lang="en-US" b="0" i="1" smtClean="0">
+                                        <a:latin typeface="Cambria Math" panose="02040503050406030204" pitchFamily="18" charset="0"/>
+                                      </a:rPr>
+                                    </m:ctrlPr>
+                                  </m:limLowPr>
+                                  <m:e>
+                                    <m:r>
+                                      <m:rPr>
+                                        <m:sty m:val="p"/>
+                                      </m:rPr>
+                                      <a:rPr lang="en-US" b="0" i="0" smtClean="0">
+                                        <a:latin typeface="Cambria Math" panose="02040503050406030204" pitchFamily="18" charset="0"/>
+                                      </a:rPr>
+                                      <m:t>max</m:t>
+                                    </m:r>
+                                  </m:e>
+                                  <m:lim>
+                                    <m:r>
+                                      <a:rPr lang="en-US" b="0" i="1" smtClean="0">
+                                        <a:latin typeface="Cambria Math" panose="02040503050406030204" pitchFamily="18" charset="0"/>
+                                      </a:rPr>
+                                      <m:t>𝛿</m:t>
+                                    </m:r>
+                                    <m:r>
+                                      <a:rPr lang="en-US" b="0" i="1" smtClean="0">
+                                        <a:latin typeface="Cambria Math" panose="02040503050406030204" pitchFamily="18" charset="0"/>
+                                      </a:rPr>
+                                      <m:t>∈</m:t>
+                                    </m:r>
+                                    <m:r>
+                                      <m:rPr>
+                                        <m:sty m:val="p"/>
+                                      </m:rPr>
+                                      <a:rPr lang="en-US" b="0" i="0" smtClean="0">
+                                        <a:latin typeface="Cambria Math" panose="02040503050406030204" pitchFamily="18" charset="0"/>
+                                      </a:rPr>
+                                      <m:t>Δ</m:t>
+                                    </m:r>
+                                  </m:lim>
+                                </m:limLow>
+                              </m:fName>
+                              <m:e>
+                                <m:r>
+                                  <a:rPr lang="en-US" b="0" i="1" smtClean="0">
+                                    <a:latin typeface="Cambria Math" panose="02040503050406030204" pitchFamily="18" charset="0"/>
+                                  </a:rPr>
+                                  <m:t>𝐿</m:t>
+                                </m:r>
+                                <m:r>
+                                  <a:rPr lang="en-US" b="0" i="1" smtClean="0">
+                                    <a:latin typeface="Cambria Math" panose="02040503050406030204" pitchFamily="18" charset="0"/>
+                                  </a:rPr>
+                                  <m:t>(</m:t>
+                                </m:r>
+                                <m:r>
+                                  <a:rPr lang="en-US" b="0" i="1" smtClean="0">
+                                    <a:latin typeface="Cambria Math" panose="02040503050406030204" pitchFamily="18" charset="0"/>
+                                  </a:rPr>
+                                  <m:t>𝑥</m:t>
+                                </m:r>
+                                <m:r>
+                                  <a:rPr lang="en-US" b="0" i="1" smtClean="0">
+                                    <a:latin typeface="Cambria Math" panose="02040503050406030204" pitchFamily="18" charset="0"/>
+                                  </a:rPr>
+                                  <m:t>+</m:t>
+                                </m:r>
+                                <m:r>
+                                  <a:rPr lang="en-US" b="0" i="1" smtClean="0">
+                                    <a:latin typeface="Cambria Math" panose="02040503050406030204" pitchFamily="18" charset="0"/>
+                                  </a:rPr>
+                                  <m:t>𝛿</m:t>
+                                </m:r>
+                                <m:r>
+                                  <a:rPr lang="en-US" b="0" i="1" smtClean="0">
+                                    <a:latin typeface="Cambria Math" panose="02040503050406030204" pitchFamily="18" charset="0"/>
+                                  </a:rPr>
+                                  <m:t>,</m:t>
+                                </m:r>
+                                <m:r>
+                                  <a:rPr lang="en-US" b="0" i="1" smtClean="0">
+                                    <a:latin typeface="Cambria Math" panose="02040503050406030204" pitchFamily="18" charset="0"/>
+                                  </a:rPr>
+                                  <m:t>𝑦</m:t>
+                                </m:r>
+                                <m:r>
+                                  <a:rPr lang="en-US" b="0" i="1" smtClean="0">
+                                    <a:latin typeface="Cambria Math" panose="02040503050406030204" pitchFamily="18" charset="0"/>
+                                  </a:rPr>
+                                  <m:t>;</m:t>
+                                </m:r>
+                                <m:r>
+                                  <a:rPr lang="en-US" b="0" i="1" smtClean="0">
+                                    <a:latin typeface="Cambria Math" panose="02040503050406030204" pitchFamily="18" charset="0"/>
+                                  </a:rPr>
+                                  <m:t>𝜃</m:t>
+                                </m:r>
+                                <m:r>
+                                  <a:rPr lang="en-US" b="0" i="1" smtClean="0">
+                                    <a:latin typeface="Cambria Math" panose="02040503050406030204" pitchFamily="18" charset="0"/>
+                                  </a:rPr>
+                                  <m:t>)</m:t>
+                                </m:r>
+                              </m:e>
+                            </m:func>
+                          </m:e>
+                        </m:nary>
+                      </m:e>
+                    </m:func>
+                  </m:oMath>
+                </a14:m>
+                <a:endParaRPr lang="en-US" dirty="0"/>
+              </a:p>
+              <a:p>
+                <a:r>
+                  <a:rPr lang="en-US" dirty="0"/>
+                  <a:t>Inner maximization problem: creating an adversarial example (or ensuring one does not exist)</a:t>
+                </a:r>
+              </a:p>
+              <a:p>
+                <a:r>
+                  <a:rPr lang="en-US" dirty="0"/>
+                  <a:t>Outer minimizing problem: training a robust classifier</a:t>
+                </a:r>
+              </a:p>
+              <a:p>
+                <a:r>
+                  <a:rPr lang="en-US" dirty="0"/>
+                  <a:t>Consider a trained NN classifier </a:t>
+                </a:r>
+                <a14:m>
+                  <m:oMath xmlns:m="http://schemas.openxmlformats.org/officeDocument/2006/math">
+                    <m:sSub>
+                      <m:sSubPr>
+                        <m:ctrlPr>
+                          <a:rPr lang="en-US" b="0" i="1" smtClean="0">
+                            <a:latin typeface="Cambria Math" panose="02040503050406030204" pitchFamily="18" charset="0"/>
+                          </a:rPr>
+                        </m:ctrlPr>
+                      </m:sSubPr>
+                      <m:e>
+                        <m:r>
+                          <a:rPr lang="en-US" b="0" i="1" smtClean="0">
+                            <a:latin typeface="Cambria Math" panose="02040503050406030204" pitchFamily="18" charset="0"/>
+                          </a:rPr>
+                          <m:t>𝑓</m:t>
+                        </m:r>
+                      </m:e>
+                      <m:sub>
+                        <m:r>
+                          <a:rPr lang="en-US" b="0" i="1" smtClean="0">
+                            <a:latin typeface="Cambria Math" panose="02040503050406030204" pitchFamily="18" charset="0"/>
+                          </a:rPr>
+                          <m:t>𝜃</m:t>
+                        </m:r>
+                      </m:sub>
+                    </m:sSub>
+                    <m:d>
+                      <m:dPr>
+                        <m:ctrlPr>
+                          <a:rPr lang="en-US" b="0" i="1" smtClean="0">
+                            <a:latin typeface="Cambria Math" panose="02040503050406030204" pitchFamily="18" charset="0"/>
+                          </a:rPr>
+                        </m:ctrlPr>
+                      </m:dPr>
+                      <m:e>
+                        <m:r>
+                          <a:rPr lang="en-US" b="0" i="1" smtClean="0">
+                            <a:latin typeface="Cambria Math" panose="02040503050406030204" pitchFamily="18" charset="0"/>
+                          </a:rPr>
+                          <m:t>𝑥</m:t>
+                        </m:r>
+                      </m:e>
+                    </m:d>
+                    <m:r>
+                      <a:rPr lang="en-US" b="0" i="1" smtClean="0">
+                        <a:latin typeface="Cambria Math" panose="02040503050406030204" pitchFamily="18" charset="0"/>
+                      </a:rPr>
+                      <m:t>=</m:t>
+                    </m:r>
+                    <m:r>
+                      <a:rPr lang="en-US" b="0" i="1" smtClean="0">
+                        <a:latin typeface="Cambria Math" panose="02040503050406030204" pitchFamily="18" charset="0"/>
+                      </a:rPr>
+                      <m:t>𝑦</m:t>
+                    </m:r>
+                  </m:oMath>
+                </a14:m>
+                <a:endParaRPr lang="en-US" dirty="0"/>
+              </a:p>
+              <a:p>
+                <a:pPr lvl="1"/>
+                <a14:m>
+                  <m:oMath xmlns:m="http://schemas.openxmlformats.org/officeDocument/2006/math">
+                    <m:r>
+                      <a:rPr lang="en-US" b="0" i="1" smtClean="0">
+                        <a:latin typeface="Cambria Math" panose="02040503050406030204" pitchFamily="18" charset="0"/>
+                      </a:rPr>
+                      <m:t>𝑥</m:t>
+                    </m:r>
+                  </m:oMath>
+                </a14:m>
+                <a:r>
+                  <a:rPr lang="en-US" dirty="0"/>
+                  <a:t>: the input (image)</a:t>
+                </a:r>
+              </a:p>
+              <a:p>
+                <a:pPr lvl="1"/>
+                <a14:m>
+                  <m:oMath xmlns:m="http://schemas.openxmlformats.org/officeDocument/2006/math">
+                    <m:r>
+                      <a:rPr lang="en-US" b="0" i="1" smtClean="0">
+                        <a:latin typeface="Cambria Math" panose="02040503050406030204" pitchFamily="18" charset="0"/>
+                      </a:rPr>
+                      <m:t>𝑦</m:t>
+                    </m:r>
+                  </m:oMath>
+                </a14:m>
+                <a:r>
+                  <a:rPr lang="en-US" dirty="0"/>
+                  <a:t>: the prediction result (e.g., panda or gibbon), which has the maximum probability in the probability vector over all classes. We assume </a:t>
+                </a:r>
+                <a14:m>
+                  <m:oMath xmlns:m="http://schemas.openxmlformats.org/officeDocument/2006/math">
+                    <m:r>
+                      <a:rPr lang="en-US" i="1">
+                        <a:latin typeface="Cambria Math" panose="02040503050406030204" pitchFamily="18" charset="0"/>
+                      </a:rPr>
+                      <m:t>𝑦</m:t>
+                    </m:r>
+                  </m:oMath>
+                </a14:m>
+                <a:r>
+                  <a:rPr lang="en-US" dirty="0"/>
+                  <a:t> to be the correct prediction</a:t>
+                </a:r>
+              </a:p>
+              <a:p>
+                <a:pPr lvl="1"/>
+                <a14:m>
+                  <m:oMath xmlns:m="http://schemas.openxmlformats.org/officeDocument/2006/math">
+                    <m:sSub>
+                      <m:sSubPr>
+                        <m:ctrlPr>
+                          <a:rPr lang="en-US" b="0" i="1" smtClean="0">
+                            <a:latin typeface="Cambria Math" panose="02040503050406030204" pitchFamily="18" charset="0"/>
+                          </a:rPr>
+                        </m:ctrlPr>
+                      </m:sSubPr>
+                      <m:e>
+                        <m:r>
+                          <a:rPr lang="en-US" b="0" i="1" smtClean="0">
+                            <a:latin typeface="Cambria Math" panose="02040503050406030204" pitchFamily="18" charset="0"/>
+                          </a:rPr>
+                          <m:t>𝑓</m:t>
+                        </m:r>
+                      </m:e>
+                      <m:sub>
+                        <m:r>
+                          <a:rPr lang="en-US" b="0" i="1" smtClean="0">
+                            <a:latin typeface="Cambria Math" panose="02040503050406030204" pitchFamily="18" charset="0"/>
+                          </a:rPr>
+                          <m:t>𝜃</m:t>
+                        </m:r>
+                      </m:sub>
+                    </m:sSub>
+                  </m:oMath>
+                </a14:m>
+                <a:r>
+                  <a:rPr lang="en-US" dirty="0"/>
+                  <a:t>: the NN with params </a:t>
+                </a:r>
+                <a14:m>
+                  <m:oMath xmlns:m="http://schemas.openxmlformats.org/officeDocument/2006/math">
+                    <m:r>
+                      <a:rPr lang="en-US" i="1">
+                        <a:latin typeface="Cambria Math" panose="02040503050406030204" pitchFamily="18" charset="0"/>
+                      </a:rPr>
+                      <m:t>𝜃</m:t>
+                    </m:r>
+                  </m:oMath>
+                </a14:m>
+                <a:r>
+                  <a:rPr lang="en-US" dirty="0"/>
+                  <a:t> (weights and biases)</a:t>
+                </a:r>
+              </a:p>
+              <a:p>
+                <a:r>
+                  <a:rPr lang="en-US" dirty="0"/>
+                  <a:t>Adversarial input generation: for a given input image </a:t>
+                </a:r>
+                <a14:m>
+                  <m:oMath xmlns:m="http://schemas.openxmlformats.org/officeDocument/2006/math">
+                    <m:r>
+                      <a:rPr lang="en-US" b="0" i="1" smtClean="0">
+                        <a:latin typeface="Cambria Math" panose="02040503050406030204" pitchFamily="18" charset="0"/>
+                      </a:rPr>
+                      <m:t>𝑥</m:t>
+                    </m:r>
+                  </m:oMath>
+                </a14:m>
+                <a:r>
+                  <a:rPr lang="en-US" dirty="0"/>
+                  <a:t>, find a small perturbation </a:t>
+                </a:r>
+                <a14:m>
+                  <m:oMath xmlns:m="http://schemas.openxmlformats.org/officeDocument/2006/math">
+                    <m:r>
+                      <a:rPr lang="en-US" b="0" i="1" smtClean="0">
+                        <a:latin typeface="Cambria Math" panose="02040503050406030204" pitchFamily="18" charset="0"/>
+                      </a:rPr>
+                      <m:t>𝜖</m:t>
+                    </m:r>
+                  </m:oMath>
+                </a14:m>
+                <a:r>
+                  <a:rPr lang="en-US" dirty="0"/>
+                  <a:t> </a:t>
+                </a:r>
+                <a:r>
+                  <a:rPr lang="en-US" dirty="0" err="1"/>
+                  <a:t>s.t.</a:t>
+                </a:r>
+                <a:r>
+                  <a:rPr lang="en-US" dirty="0"/>
+                  <a:t> </a:t>
+                </a:r>
+              </a:p>
+              <a:p>
+                <a:pPr lvl="1"/>
+                <a14:m>
+                  <m:oMath xmlns:m="http://schemas.openxmlformats.org/officeDocument/2006/math">
+                    <m:sSub>
+                      <m:sSubPr>
+                        <m:ctrlPr>
+                          <a:rPr lang="en-US" i="1">
+                            <a:latin typeface="Cambria Math" panose="02040503050406030204" pitchFamily="18" charset="0"/>
+                          </a:rPr>
+                        </m:ctrlPr>
+                      </m:sSubPr>
+                      <m:e>
+                        <m:r>
+                          <a:rPr lang="en-US" i="1">
+                            <a:latin typeface="Cambria Math" panose="02040503050406030204" pitchFamily="18" charset="0"/>
+                          </a:rPr>
+                          <m:t>𝑓</m:t>
+                        </m:r>
+                      </m:e>
+                      <m:sub>
+                        <m:r>
+                          <a:rPr lang="en-US" i="1">
+                            <a:latin typeface="Cambria Math" panose="02040503050406030204" pitchFamily="18" charset="0"/>
+                          </a:rPr>
+                          <m:t>𝜃</m:t>
+                        </m:r>
+                      </m:sub>
+                    </m:sSub>
+                    <m:d>
+                      <m:dPr>
+                        <m:ctrlPr>
+                          <a:rPr lang="en-US" i="1">
+                            <a:latin typeface="Cambria Math" panose="02040503050406030204" pitchFamily="18" charset="0"/>
+                          </a:rPr>
+                        </m:ctrlPr>
+                      </m:dPr>
+                      <m:e>
+                        <m:r>
+                          <a:rPr lang="en-US" i="1">
+                            <a:latin typeface="Cambria Math" panose="02040503050406030204" pitchFamily="18" charset="0"/>
+                          </a:rPr>
+                          <m:t>𝑥</m:t>
+                        </m:r>
+                        <m:r>
+                          <a:rPr lang="en-US" i="1">
+                            <a:latin typeface="Cambria Math" panose="02040503050406030204" pitchFamily="18" charset="0"/>
+                          </a:rPr>
+                          <m:t>+</m:t>
+                        </m:r>
+                        <m:r>
+                          <a:rPr lang="en-US" i="1">
+                            <a:latin typeface="Cambria Math" panose="02040503050406030204" pitchFamily="18" charset="0"/>
+                          </a:rPr>
+                          <m:t>𝜖</m:t>
+                        </m:r>
+                      </m:e>
+                    </m:d>
+                    <m:r>
+                      <a:rPr lang="en-US" b="0" i="1" smtClean="0">
+                        <a:latin typeface="Cambria Math" panose="02040503050406030204" pitchFamily="18" charset="0"/>
+                      </a:rPr>
+                      <m:t>≠</m:t>
+                    </m:r>
+                    <m:r>
+                      <a:rPr lang="en-US" b="0" i="1" smtClean="0">
+                        <a:latin typeface="Cambria Math" panose="02040503050406030204" pitchFamily="18" charset="0"/>
+                      </a:rPr>
+                      <m:t>𝑦</m:t>
+                    </m:r>
+                  </m:oMath>
+                </a14:m>
+                <a:r>
+                  <a:rPr lang="en-US" dirty="0"/>
+                  <a:t> (untargeted attack)</a:t>
+                </a:r>
+              </a:p>
+              <a:p>
+                <a:pPr lvl="1"/>
+                <a14:m>
+                  <m:oMath xmlns:m="http://schemas.openxmlformats.org/officeDocument/2006/math">
+                    <m:sSub>
+                      <m:sSubPr>
+                        <m:ctrlPr>
+                          <a:rPr lang="en-US" i="1">
+                            <a:latin typeface="Cambria Math" panose="02040503050406030204" pitchFamily="18" charset="0"/>
+                          </a:rPr>
+                        </m:ctrlPr>
+                      </m:sSubPr>
+                      <m:e>
+                        <m:r>
+                          <a:rPr lang="en-US" i="1">
+                            <a:latin typeface="Cambria Math" panose="02040503050406030204" pitchFamily="18" charset="0"/>
+                          </a:rPr>
+                          <m:t>𝑓</m:t>
+                        </m:r>
+                      </m:e>
+                      <m:sub>
+                        <m:r>
+                          <a:rPr lang="en-US" i="1">
+                            <a:latin typeface="Cambria Math" panose="02040503050406030204" pitchFamily="18" charset="0"/>
+                          </a:rPr>
+                          <m:t>𝜃</m:t>
+                        </m:r>
+                      </m:sub>
+                    </m:sSub>
+                    <m:d>
+                      <m:dPr>
+                        <m:ctrlPr>
+                          <a:rPr lang="en-US" i="1">
+                            <a:latin typeface="Cambria Math" panose="02040503050406030204" pitchFamily="18" charset="0"/>
+                          </a:rPr>
+                        </m:ctrlPr>
+                      </m:dPr>
+                      <m:e>
+                        <m:r>
+                          <a:rPr lang="en-US" i="1">
+                            <a:latin typeface="Cambria Math" panose="02040503050406030204" pitchFamily="18" charset="0"/>
+                          </a:rPr>
+                          <m:t>𝑥</m:t>
+                        </m:r>
+                        <m:r>
+                          <a:rPr lang="en-US" i="1">
+                            <a:latin typeface="Cambria Math" panose="02040503050406030204" pitchFamily="18" charset="0"/>
+                          </a:rPr>
+                          <m:t>+</m:t>
+                        </m:r>
+                        <m:r>
+                          <a:rPr lang="en-US" i="1">
+                            <a:latin typeface="Cambria Math" panose="02040503050406030204" pitchFamily="18" charset="0"/>
+                          </a:rPr>
+                          <m:t>𝜖</m:t>
+                        </m:r>
+                      </m:e>
+                    </m:d>
+                    <m:r>
+                      <a:rPr lang="en-US" b="0" i="1" smtClean="0">
+                        <a:latin typeface="Cambria Math" panose="02040503050406030204" pitchFamily="18" charset="0"/>
+                      </a:rPr>
+                      <m:t>=</m:t>
+                    </m:r>
+                    <m:r>
+                      <a:rPr lang="en-US" b="0" i="1" smtClean="0">
+                        <a:latin typeface="Cambria Math" panose="02040503050406030204" pitchFamily="18" charset="0"/>
+                      </a:rPr>
+                      <m:t>𝑡</m:t>
+                    </m:r>
+                    <m:r>
+                      <a:rPr lang="en-US" i="1">
+                        <a:latin typeface="Cambria Math" panose="02040503050406030204" pitchFamily="18" charset="0"/>
+                      </a:rPr>
+                      <m:t>≠</m:t>
+                    </m:r>
+                    <m:r>
+                      <a:rPr lang="en-US" i="1">
+                        <a:latin typeface="Cambria Math" panose="02040503050406030204" pitchFamily="18" charset="0"/>
+                      </a:rPr>
+                      <m:t>𝑦</m:t>
+                    </m:r>
+                  </m:oMath>
+                </a14:m>
+                <a:r>
+                  <a:rPr lang="en-US" dirty="0"/>
+                  <a:t> (targeted attack)</a:t>
+                </a:r>
+                <a:endParaRPr lang="en-SE" dirty="0"/>
+              </a:p>
+              <a:p>
+                <a:pPr lvl="1"/>
+                <a:endParaRPr lang="en-SE" dirty="0"/>
+              </a:p>
+            </p:txBody>
+          </p:sp>
+        </mc:Choice>
+        <mc:Fallback>
+          <p:sp>
+            <p:nvSpPr>
+              <p:cNvPr id="3" name="Content Placeholder 2">
+                <a:extLst>
+                  <a:ext uri="{FF2B5EF4-FFF2-40B4-BE49-F238E27FC236}">
+                    <a16:creationId xmlns:a16="http://schemas.microsoft.com/office/drawing/2014/main" id="{8E5469DD-9647-4339-8705-1E787794DC28}"/>
+                  </a:ext>
+                </a:extLst>
+              </p:cNvPr>
+              <p:cNvSpPr>
+                <a:spLocks noGrp="1" noRot="1" noChangeAspect="1" noMove="1" noResize="1" noEditPoints="1" noAdjustHandles="1" noChangeArrowheads="1" noChangeShapeType="1" noTextEdit="1"/>
+              </p:cNvSpPr>
+              <p:nvPr>
+                <p:ph idx="1"/>
+              </p:nvPr>
+            </p:nvSpPr>
+            <p:spPr>
+              <a:blipFill>
+                <a:blip r:embed="rId3"/>
+                <a:stretch>
+                  <a:fillRect l="-1185" t="-11708" r="-2148"/>
+                </a:stretch>
+              </a:blipFill>
+            </p:spPr>
+            <p:txBody>
+              <a:bodyPr/>
+              <a:lstStyle/>
+              <a:p>
+                <a:r>
+                  <a:rPr lang="en-SE">
+                    <a:noFill/>
+                  </a:rPr>
+                  <a:t> </a:t>
+                </a:r>
+              </a:p>
+            </p:txBody>
+          </p:sp>
+        </mc:Fallback>
+      </mc:AlternateContent>
+      <p:sp>
+        <p:nvSpPr>
+          <p:cNvPr id="4" name="Slide Number Placeholder 3">
+            <a:extLst>
+              <a:ext uri="{FF2B5EF4-FFF2-40B4-BE49-F238E27FC236}">
+                <a16:creationId xmlns:a16="http://schemas.microsoft.com/office/drawing/2014/main" id="{F6240E0F-A9A1-4C8D-AFB9-1F46F39CFBE1}"/>
+              </a:ext>
+            </a:extLst>
+          </p:cNvPr>
+          <p:cNvSpPr>
+            <a:spLocks noGrp="1"/>
+          </p:cNvSpPr>
+          <p:nvPr>
+            <p:ph type="sldNum" sz="quarter" idx="12"/>
+          </p:nvPr>
+        </p:nvSpPr>
+        <p:spPr/>
+        <p:txBody>
+          <a:bodyPr/>
+          <a:lstStyle/>
+          <a:p>
+            <a:pPr>
+              <a:defRPr/>
+            </a:pPr>
+            <a:fld id="{F57F456A-00AF-44E6-8D70-638C0D0130FF}" type="slidenum">
+              <a:rPr lang="en-US" altLang="zh-CN" smtClean="0"/>
+              <a:pPr>
+                <a:defRPr/>
+              </a:pPr>
+              <a:t>4</a:t>
+            </a:fld>
+            <a:endParaRPr lang="en-US" altLang="zh-CN"/>
+          </a:p>
+        </p:txBody>
+      </p:sp>
+    </p:spTree>
+    <p:extLst>
+      <p:ext uri="{BB962C8B-B14F-4D97-AF65-F5344CB8AC3E}">
+        <p14:creationId xmlns:p14="http://schemas.microsoft.com/office/powerpoint/2010/main" val="1758431179"/>
+      </p:ext>
+    </p:extLst>
+  </p:cSld>
+  <p:clrMapOvr>
+    <a:masterClrMapping/>
+  </p:clrMapOvr>
+</p:sld>
+</file>
+
+<file path=ppt/slides/slide5.xml><?xml version="1.0" encoding="utf-8"?>
 <p:sld xmlns:a="http://schemas.openxmlformats.org/drawingml/2006/main" xmlns:r="http://schemas.openxmlformats.org/officeDocument/2006/relationships" xmlns:p="http://schemas.openxmlformats.org/presentationml/2006/main">
   <p:cSld>
     <p:spTree>
@@ -3081,7 +4486,15 @@
           <a:p>
             <a:r>
               <a:rPr lang="en-US" sz="3600" b="0" dirty="0"/>
-              <a:t>Gradient descent vs. Adversarial input generation</a:t>
+              <a:t>NN </a:t>
+            </a:r>
+            <a:r>
+              <a:rPr lang="en-US" sz="3600" dirty="0"/>
+              <a:t>Training </a:t>
+            </a:r>
+            <a:r>
+              <a:rPr lang="en-US" sz="3600" b="0" dirty="0"/>
+              <a:t>vs. Adversarial Input Generation</a:t>
             </a:r>
             <a:endParaRPr lang="en-SE" sz="3600" dirty="0"/>
           </a:p>
@@ -3105,23 +4518,61 @@
                 <p:ph idx="1"/>
               </p:nvPr>
             </p:nvSpPr>
-            <p:spPr/>
+            <p:spPr>
+              <a:xfrm>
+                <a:off x="156360" y="1421694"/>
+                <a:ext cx="5832644" cy="5105400"/>
+              </a:xfrm>
+            </p:spPr>
             <p:txBody>
-              <a:bodyPr/>
+              <a:bodyPr>
+                <a:normAutofit fontScale="92500" lnSpcReduction="20000"/>
+              </a:bodyPr>
               <a:lstStyle/>
               <a:p>
                 <a:r>
                   <a:rPr lang="en-US" b="0" dirty="0"/>
-                  <a:t>Gradient descent: </a:t>
+                  <a:t>Gradient </a:t>
+                </a:r>
+                <a:r>
+                  <a:rPr lang="en-US" b="0" dirty="0">
+                    <a:solidFill>
+                      <a:srgbClr val="FF0000"/>
+                    </a:solidFill>
+                  </a:rPr>
+                  <a:t>descent</a:t>
+                </a:r>
+                <a:r>
+                  <a:rPr lang="en-US" b="0" dirty="0"/>
+                  <a:t> for training the NN </a:t>
                 </a:r>
                 <a14:m>
                   <m:oMath xmlns:m="http://schemas.openxmlformats.org/officeDocument/2006/math">
-                    <m:r>
-                      <a:rPr lang="en-US" b="0" i="1" smtClean="0">
-                        <a:latin typeface="Cambria Math" panose="02040503050406030204" pitchFamily="18" charset="0"/>
-                      </a:rPr>
-                      <m:t>𝑊</m:t>
-                    </m:r>
+                    <m:sSup>
+                      <m:sSupPr>
+                        <m:ctrlPr>
+                          <a:rPr lang="en-US" b="0" i="1" smtClean="0">
+                            <a:latin typeface="Cambria Math" panose="02040503050406030204" pitchFamily="18" charset="0"/>
+                          </a:rPr>
+                        </m:ctrlPr>
+                      </m:sSupPr>
+                      <m:e>
+                        <m:r>
+                          <a:rPr lang="en-US" b="0" i="1" smtClean="0">
+                            <a:latin typeface="Cambria Math" panose="02040503050406030204" pitchFamily="18" charset="0"/>
+                          </a:rPr>
+                          <m:t>𝜃</m:t>
+                        </m:r>
+                      </m:e>
+                      <m:sup>
+                        <m:r>
+                          <a:rPr lang="en-US" b="0" i="1" smtClean="0">
+                            <a:latin typeface="Cambria Math" panose="02040503050406030204" pitchFamily="18" charset="0"/>
+                          </a:rPr>
+                          <m:t>′</m:t>
+                        </m:r>
+                      </m:sup>
+                    </m:sSup>
                     <m:r>
                       <a:rPr lang="en-US" b="0" i="1" smtClean="0">
                         <a:latin typeface="Cambria Math" panose="02040503050406030204" pitchFamily="18" charset="0"/>
@@ -3129,15 +4580,15 @@
                       <m:t>←</m:t>
                     </m:r>
                     <m:r>
-                      <a:rPr lang="en-US" b="0" i="1" smtClean="0">
+                      <a:rPr lang="en-US" i="1">
                         <a:latin typeface="Cambria Math" panose="02040503050406030204" pitchFamily="18" charset="0"/>
                       </a:rPr>
-                      <m:t>𝑊</m:t>
+                      <m:t>𝜃</m:t>
                     </m:r>
                     <m:r>
                       <a:rPr lang="en-US" b="0" i="1" smtClean="0">
                         <a:solidFill>
-                          <a:srgbClr val="FF0000"/>
+                          <a:schemeClr val="tx1"/>
                         </a:solidFill>
                         <a:latin typeface="Cambria Math" panose="02040503050406030204" pitchFamily="18" charset="0"/>
                       </a:rPr>
@@ -3145,97 +4596,88 @@
                     </m:r>
                     <m:r>
                       <a:rPr lang="en-US" i="1">
+                        <a:solidFill>
+                          <a:schemeClr val="tx1"/>
+                        </a:solidFill>
                         <a:latin typeface="Cambria Math" panose="02040503050406030204" pitchFamily="18" charset="0"/>
                       </a:rPr>
                       <m:t>𝜂</m:t>
                     </m:r>
-                    <m:f>
-                      <m:fPr>
+                    <m:sSub>
+                      <m:sSubPr>
                         <m:ctrlPr>
-                          <a:rPr lang="en-US" b="0" i="1" smtClean="0">
+                          <a:rPr lang="en-US" b="0" i="0" smtClean="0">
                             <a:latin typeface="Cambria Math" panose="02040503050406030204" pitchFamily="18" charset="0"/>
                           </a:rPr>
                         </m:ctrlPr>
-                      </m:fPr>
-                      <m:num>
-                        <m:r>
-                          <a:rPr lang="en-US" b="0" i="1" smtClean="0">
-                            <a:latin typeface="Cambria Math" panose="02040503050406030204" pitchFamily="18" charset="0"/>
-                          </a:rPr>
-                          <m:t>𝜕</m:t>
-                        </m:r>
+                      </m:sSubPr>
+                      <m:e>
                         <m:r>
                           <m:rPr>
                             <m:sty m:val="p"/>
                           </m:rPr>
+                          <a:rPr lang="en-US" b="0" i="0" smtClean="0">
+                            <a:latin typeface="Cambria Math" panose="02040503050406030204" pitchFamily="18" charset="0"/>
+                          </a:rPr>
+                          <m:t>∇</m:t>
+                        </m:r>
+                      </m:e>
+                      <m:sub>
+                        <m:r>
                           <a:rPr lang="en-US" b="0" i="1" smtClean="0">
                             <a:latin typeface="Cambria Math" panose="02040503050406030204" pitchFamily="18" charset="0"/>
                           </a:rPr>
-                          <m:t>J</m:t>
+                          <m:t>𝜃</m:t>
                         </m:r>
-                        <m:d>
-                          <m:dPr>
-                            <m:ctrlPr>
-                              <a:rPr lang="en-US" b="0" i="1" smtClean="0">
-                                <a:latin typeface="Cambria Math" panose="02040503050406030204" pitchFamily="18" charset="0"/>
-                              </a:rPr>
-                            </m:ctrlPr>
-                          </m:dPr>
-                          <m:e>
-                            <m:r>
-                              <a:rPr lang="en-US" b="0" i="1" smtClean="0">
-                                <a:latin typeface="Cambria Math" panose="02040503050406030204" pitchFamily="18" charset="0"/>
-                              </a:rPr>
-                              <m:t>𝑊</m:t>
-                            </m:r>
-                            <m:r>
-                              <a:rPr lang="en-US" b="0" i="1" smtClean="0">
-                                <a:latin typeface="Cambria Math" panose="02040503050406030204" pitchFamily="18" charset="0"/>
-                              </a:rPr>
-                              <m:t>,</m:t>
-                            </m:r>
-                            <m:r>
-                              <a:rPr lang="en-US" b="0" i="1" smtClean="0">
-                                <a:latin typeface="Cambria Math" panose="02040503050406030204" pitchFamily="18" charset="0"/>
-                              </a:rPr>
-                              <m:t>𝑥</m:t>
-                            </m:r>
-                            <m:r>
-                              <a:rPr lang="en-US" b="0" i="1" smtClean="0">
-                                <a:latin typeface="Cambria Math" panose="02040503050406030204" pitchFamily="18" charset="0"/>
-                              </a:rPr>
-                              <m:t>,</m:t>
-                            </m:r>
-                            <m:r>
-                              <a:rPr lang="en-US" b="0" i="1" smtClean="0">
-                                <a:latin typeface="Cambria Math" panose="02040503050406030204" pitchFamily="18" charset="0"/>
-                              </a:rPr>
-                              <m:t>𝑦</m:t>
-                            </m:r>
-                          </m:e>
-                        </m:d>
-                      </m:num>
-                      <m:den>
+                      </m:sub>
+                    </m:sSub>
+                    <m:r>
+                      <a:rPr lang="en-US" b="0" i="1" smtClean="0">
+                        <a:latin typeface="Cambria Math" panose="02040503050406030204" pitchFamily="18" charset="0"/>
+                      </a:rPr>
+                      <m:t>𝐿</m:t>
+                    </m:r>
+                    <m:d>
+                      <m:dPr>
+                        <m:ctrlPr>
+                          <a:rPr lang="en-US" i="1">
+                            <a:latin typeface="Cambria Math" panose="02040503050406030204" pitchFamily="18" charset="0"/>
+                          </a:rPr>
+                        </m:ctrlPr>
+                      </m:dPr>
+                      <m:e>
                         <m:r>
-                          <a:rPr lang="en-US" i="1" smtClean="0">
-                            <a:solidFill>
-                              <a:srgbClr val="FF0000"/>
-                            </a:solidFill>
-                            <a:latin typeface="Cambria Math" panose="02040503050406030204" pitchFamily="18" charset="0"/>
-                          </a:rPr>
-                          <m:t>𝜕</m:t>
+                          <a:rPr lang="en-US" i="1">
+                            <a:latin typeface="Cambria Math" panose="02040503050406030204" pitchFamily="18" charset="0"/>
+                          </a:rPr>
+                          <m:t>𝜃</m:t>
                         </m:r>
                         <m:r>
-                          <a:rPr lang="en-US" b="0" i="1" smtClean="0">
-                            <a:solidFill>
-                              <a:srgbClr val="FF0000"/>
-                            </a:solidFill>
-                            <a:latin typeface="Cambria Math" panose="02040503050406030204" pitchFamily="18" charset="0"/>
-                          </a:rPr>
-                          <m:t>𝑊</m:t>
+                          <a:rPr lang="en-US" i="1">
+                            <a:latin typeface="Cambria Math" panose="02040503050406030204" pitchFamily="18" charset="0"/>
+                          </a:rPr>
+                          <m:t>,</m:t>
                         </m:r>
-                      </m:den>
-                    </m:f>
+                        <m:r>
+                          <a:rPr lang="en-US" i="1">
+                            <a:latin typeface="Cambria Math" panose="02040503050406030204" pitchFamily="18" charset="0"/>
+                          </a:rPr>
+                          <m:t>𝑥</m:t>
+                        </m:r>
+                        <m:r>
+                          <a:rPr lang="en-US" i="1">
+                            <a:latin typeface="Cambria Math" panose="02040503050406030204" pitchFamily="18" charset="0"/>
+                          </a:rPr>
+                          <m:t>,</m:t>
+                        </m:r>
+                        <m:r>
+                          <a:rPr lang="en-US" i="1">
+                            <a:latin typeface="Cambria Math" panose="02040503050406030204" pitchFamily="18" charset="0"/>
+                          </a:rPr>
+                          <m:t>𝑦</m:t>
+                        </m:r>
+                      </m:e>
+                    </m:d>
                   </m:oMath>
                 </a14:m>
                 <a:endParaRPr lang="en-US" dirty="0"/>
@@ -3244,15 +4686,26 @@
                 <a:pPr lvl="1"/>
                 <a:r>
                   <a:rPr lang="en-US" dirty="0"/>
-                  <a:t>Make a small change in weights </a:t>
+                  <a:t>Make a small change in </a:t>
+                </a:r>
+                <a:r>
+                  <a:rPr lang="en-US" dirty="0">
+                    <a:solidFill>
+                      <a:srgbClr val="FF0000"/>
+                    </a:solidFill>
+                  </a:rPr>
+                  <a:t>NN params </a:t>
                 </a:r>
                 <a14:m>
                   <m:oMath xmlns:m="http://schemas.openxmlformats.org/officeDocument/2006/math">
                     <m:r>
                       <a:rPr lang="en-US" i="1">
+                        <a:solidFill>
+                          <a:srgbClr val="FF0000"/>
+                        </a:solidFill>
                         <a:latin typeface="Cambria Math" panose="02040503050406030204" pitchFamily="18" charset="0"/>
                       </a:rPr>
-                      <m:t>𝑊</m:t>
+                      <m:t>𝜃</m:t>
                     </m:r>
                   </m:oMath>
                 </a14:m>
@@ -3287,13 +4740,10 @@
                 <a14:m>
                   <m:oMath xmlns:m="http://schemas.openxmlformats.org/officeDocument/2006/math">
                     <m:r>
-                      <m:rPr>
-                        <m:sty m:val="p"/>
-                      </m:rPr>
                       <a:rPr lang="en-US" b="0" i="1" smtClean="0">
                         <a:latin typeface="Cambria Math" panose="02040503050406030204" pitchFamily="18" charset="0"/>
                       </a:rPr>
-                      <m:t>J</m:t>
+                      <m:t>𝐿</m:t>
                     </m:r>
                     <m:d>
                       <m:dPr>
@@ -3305,10 +4755,10 @@
                       </m:dPr>
                       <m:e>
                         <m:r>
-                          <a:rPr lang="en-US" b="0" i="1" smtClean="0">
-                            <a:latin typeface="Cambria Math" panose="02040503050406030204" pitchFamily="18" charset="0"/>
-                          </a:rPr>
-                          <m:t>𝑊</m:t>
+                          <a:rPr lang="en-US" i="1">
+                            <a:latin typeface="Cambria Math" panose="02040503050406030204" pitchFamily="18" charset="0"/>
+                          </a:rPr>
+                          <m:t>𝜃</m:t>
                         </m:r>
                         <m:r>
                           <a:rPr lang="en-US" b="0" i="1" smtClean="0">
@@ -3342,8 +4792,24 @@
               </a:p>
               <a:p>
                 <a:r>
+                  <a:rPr lang="en-US" dirty="0"/>
+                  <a:t>Gradient </a:t>
+                </a:r>
+                <a:r>
+                  <a:rPr lang="en-US" dirty="0">
+                    <a:solidFill>
+                      <a:srgbClr val="FF0000"/>
+                    </a:solidFill>
+                  </a:rPr>
+                  <a:t>ascent</a:t>
+                </a:r>
+                <a:r>
+                  <a:rPr lang="en-US" dirty="0"/>
+                  <a:t> for adversarial </a:t>
+                </a:r>
+                <a:r>
                   <a:rPr lang="en-US" b="0" dirty="0"/>
-                  <a:t>Adversarial input generation: </a:t>
+                  <a:t>input generation: </a:t>
                 </a:r>
                 <a14:m>
                   <m:oMath xmlns:m="http://schemas.openxmlformats.org/officeDocument/2006/math">
@@ -3351,25 +4817,22 @@
                       <a:rPr lang="en-US" b="0" i="1" smtClean="0">
                         <a:latin typeface="Cambria Math" panose="02040503050406030204" pitchFamily="18" charset="0"/>
                       </a:rPr>
-                      <m:t>𝑊</m:t>
+                      <m:t>𝑥</m:t>
                     </m:r>
                     <m:r>
                       <a:rPr lang="en-US" b="0" i="1" smtClean="0">
                         <a:latin typeface="Cambria Math" panose="02040503050406030204" pitchFamily="18" charset="0"/>
                       </a:rPr>
-                      <m:t>←</m:t>
+                      <m:t>′←</m:t>
                     </m:r>
                     <m:r>
                       <a:rPr lang="en-US" b="0" i="1" smtClean="0">
                         <a:latin typeface="Cambria Math" panose="02040503050406030204" pitchFamily="18" charset="0"/>
                       </a:rPr>
-                      <m:t>𝑊</m:t>
+                      <m:t>𝑥</m:t>
                     </m:r>
                     <m:r>
                       <a:rPr lang="en-US" b="0" i="1" smtClean="0">
-                        <a:solidFill>
-                          <a:srgbClr val="FF0000"/>
-                        </a:solidFill>
                         <a:latin typeface="Cambria Math" panose="02040503050406030204" pitchFamily="18" charset="0"/>
                       </a:rPr>
                       <m:t>+</m:t>
@@ -3380,93 +4843,81 @@
                       </a:rPr>
                       <m:t>𝜂</m:t>
                     </m:r>
-                    <m:f>
-                      <m:fPr>
+                    <m:sSub>
+                      <m:sSubPr>
                         <m:ctrlPr>
-                          <a:rPr lang="en-US" b="0" i="1" smtClean="0">
+                          <a:rPr lang="en-US" i="1">
                             <a:latin typeface="Cambria Math" panose="02040503050406030204" pitchFamily="18" charset="0"/>
                           </a:rPr>
                         </m:ctrlPr>
-                      </m:fPr>
-                      <m:num>
-                        <m:r>
-                          <a:rPr lang="en-US" b="0" i="1" smtClean="0">
-                            <a:latin typeface="Cambria Math" panose="02040503050406030204" pitchFamily="18" charset="0"/>
-                          </a:rPr>
-                          <m:t>𝜕</m:t>
-                        </m:r>
+                      </m:sSubPr>
+                      <m:e>
                         <m:r>
                           <m:rPr>
                             <m:sty m:val="p"/>
                           </m:rPr>
+                          <a:rPr lang="en-US">
+                            <a:latin typeface="Cambria Math" panose="02040503050406030204" pitchFamily="18" charset="0"/>
+                          </a:rPr>
+                          <m:t>∇</m:t>
+                        </m:r>
+                      </m:e>
+                      <m:sub>
+                        <m:r>
                           <a:rPr lang="en-US" b="0" i="1" smtClean="0">
                             <a:latin typeface="Cambria Math" panose="02040503050406030204" pitchFamily="18" charset="0"/>
                           </a:rPr>
-                          <m:t>J</m:t>
+                          <m:t>𝑥</m:t>
                         </m:r>
-                        <m:d>
-                          <m:dPr>
-                            <m:ctrlPr>
-                              <a:rPr lang="en-US" b="0" i="1" smtClean="0">
-                                <a:latin typeface="Cambria Math" panose="02040503050406030204" pitchFamily="18" charset="0"/>
-                              </a:rPr>
-                            </m:ctrlPr>
-                          </m:dPr>
-                          <m:e>
-                            <m:r>
-                              <a:rPr lang="en-US" b="0" i="1" smtClean="0">
-                                <a:latin typeface="Cambria Math" panose="02040503050406030204" pitchFamily="18" charset="0"/>
-                              </a:rPr>
-                              <m:t>𝑊</m:t>
-                            </m:r>
-                            <m:r>
-                              <a:rPr lang="en-US" b="0" i="1" smtClean="0">
-                                <a:latin typeface="Cambria Math" panose="02040503050406030204" pitchFamily="18" charset="0"/>
-                              </a:rPr>
-                              <m:t>,</m:t>
-                            </m:r>
-                            <m:r>
-                              <a:rPr lang="en-US" b="0" i="1" smtClean="0">
-                                <a:latin typeface="Cambria Math" panose="02040503050406030204" pitchFamily="18" charset="0"/>
-                              </a:rPr>
-                              <m:t>𝑥</m:t>
-                            </m:r>
-                            <m:r>
-                              <a:rPr lang="en-US" b="0" i="1" smtClean="0">
-                                <a:latin typeface="Cambria Math" panose="02040503050406030204" pitchFamily="18" charset="0"/>
-                              </a:rPr>
-                              <m:t>,</m:t>
-                            </m:r>
-                            <m:r>
-                              <a:rPr lang="en-US" b="0" i="1" smtClean="0">
-                                <a:latin typeface="Cambria Math" panose="02040503050406030204" pitchFamily="18" charset="0"/>
-                              </a:rPr>
-                              <m:t>𝑦</m:t>
-                            </m:r>
-                          </m:e>
-                        </m:d>
-                      </m:num>
-                      <m:den>
+                      </m:sub>
+                    </m:sSub>
+                    <m:r>
+                      <a:rPr lang="en-US" b="0" i="1" smtClean="0">
+                        <a:latin typeface="Cambria Math" panose="02040503050406030204" pitchFamily="18" charset="0"/>
+                      </a:rPr>
+                      <m:t>𝐿</m:t>
+                    </m:r>
+                    <m:d>
+                      <m:dPr>
+                        <m:ctrlPr>
+                          <a:rPr lang="en-US" i="1">
+                            <a:latin typeface="Cambria Math" panose="02040503050406030204" pitchFamily="18" charset="0"/>
+                          </a:rPr>
+                        </m:ctrlPr>
+                      </m:dPr>
+                      <m:e>
                         <m:r>
-                          <a:rPr lang="en-US" i="1" smtClean="0">
-                            <a:solidFill>
-                              <a:srgbClr val="FF0000"/>
-                            </a:solidFill>
-                            <a:latin typeface="Cambria Math" panose="02040503050406030204" pitchFamily="18" charset="0"/>
-                          </a:rPr>
-                          <m:t>𝜕</m:t>
+                          <a:rPr lang="en-US" i="1">
+                            <a:latin typeface="Cambria Math" panose="02040503050406030204" pitchFamily="18" charset="0"/>
+                          </a:rPr>
+                          <m:t>𝜃</m:t>
                         </m:r>
                         <m:r>
-                          <a:rPr lang="en-US" b="0" i="1" smtClean="0">
-                            <a:solidFill>
-                              <a:srgbClr val="FF0000"/>
-                            </a:solidFill>
+                          <a:rPr lang="en-US" i="1">
+                            <a:latin typeface="Cambria Math" panose="02040503050406030204" pitchFamily="18" charset="0"/>
+                          </a:rPr>
+                          <m:t>,</m:t>
+                        </m:r>
+                        <m:r>
+                          <a:rPr lang="en-US" i="1">
                             <a:latin typeface="Cambria Math" panose="02040503050406030204" pitchFamily="18" charset="0"/>
                           </a:rPr>
                           <m:t>𝑥</m:t>
                         </m:r>
-                      </m:den>
-                    </m:f>
+                        <m:r>
+                          <a:rPr lang="en-US" i="1">
+                            <a:latin typeface="Cambria Math" panose="02040503050406030204" pitchFamily="18" charset="0"/>
+                          </a:rPr>
+                          <m:t>,</m:t>
+                        </m:r>
+                        <m:r>
+                          <a:rPr lang="en-US" i="1">
+                            <a:latin typeface="Cambria Math" panose="02040503050406030204" pitchFamily="18" charset="0"/>
+                          </a:rPr>
+                          <m:t>𝑦</m:t>
+                        </m:r>
+                      </m:e>
+                    </m:d>
                   </m:oMath>
                 </a14:m>
                 <a:endParaRPr lang="en-SE" dirty="0"/>
@@ -3475,21 +4926,40 @@
                 <a:pPr lvl="1"/>
                 <a:r>
                   <a:rPr lang="en-US" dirty="0"/>
-                  <a:t>Make a small change in weights </a:t>
+                  <a:t>Make a small change in </a:t>
+                </a:r>
+                <a:r>
+                  <a:rPr lang="en-US" dirty="0">
+                    <a:solidFill>
+                      <a:srgbClr val="FF0000"/>
+                    </a:solidFill>
+                  </a:rPr>
+                  <a:t>the input </a:t>
                 </a:r>
                 <a14:m>
                   <m:oMath xmlns:m="http://schemas.openxmlformats.org/officeDocument/2006/math">
                     <m:r>
-                      <a:rPr lang="en-US" i="1">
+                      <a:rPr lang="en-US" b="0" i="1" smtClean="0">
+                        <a:solidFill>
+                          <a:srgbClr val="FF0000"/>
+                        </a:solidFill>
                         <a:latin typeface="Cambria Math" panose="02040503050406030204" pitchFamily="18" charset="0"/>
                       </a:rPr>
-                      <m:t>𝑊</m:t>
+                      <m:t>𝑥</m:t>
                     </m:r>
                   </m:oMath>
                 </a14:m>
                 <a:r>
+                  <a:rPr lang="en-US" dirty="0">
+                    <a:solidFill>
+                      <a:srgbClr val="FF0000"/>
+                    </a:solidFill>
+                  </a:rPr>
+                  <a:t> </a:t>
+                </a:r>
+                <a:r>
                   <a:rPr lang="en-US" dirty="0"/>
-                  <a:t> by following the gradient </a:t>
+                  <a:t>by following the gradient </a:t>
                 </a:r>
                 <a:r>
                   <a:rPr lang="en-US" dirty="0">
@@ -3518,13 +4988,10 @@
                 <a14:m>
                   <m:oMath xmlns:m="http://schemas.openxmlformats.org/officeDocument/2006/math">
                     <m:r>
-                      <m:rPr>
-                        <m:sty m:val="p"/>
-                      </m:rPr>
                       <a:rPr lang="en-US" b="0" i="1" smtClean="0">
                         <a:latin typeface="Cambria Math" panose="02040503050406030204" pitchFamily="18" charset="0"/>
                       </a:rPr>
-                      <m:t>J</m:t>
+                      <m:t>𝐿</m:t>
                     </m:r>
                     <m:d>
                       <m:dPr>
@@ -3536,10 +5003,10 @@
                       </m:dPr>
                       <m:e>
                         <m:r>
-                          <a:rPr lang="en-US" b="0" i="1" smtClean="0">
-                            <a:latin typeface="Cambria Math" panose="02040503050406030204" pitchFamily="18" charset="0"/>
-                          </a:rPr>
-                          <m:t>𝑊</m:t>
+                          <a:rPr lang="en-US" i="1">
+                            <a:latin typeface="Cambria Math" panose="02040503050406030204" pitchFamily="18" charset="0"/>
+                          </a:rPr>
+                          <m:t>𝜃</m:t>
                         </m:r>
                         <m:r>
                           <a:rPr lang="en-US" b="0" i="1" smtClean="0">
@@ -3592,10 +5059,14 @@
               </p:nvPr>
             </p:nvSpPr>
             <p:spPr>
+              <a:xfrm>
+                <a:off x="156360" y="1421694"/>
+                <a:ext cx="5832644" cy="5105400"/>
+              </a:xfrm>
               <a:blipFill>
                 <a:blip r:embed="rId2"/>
                 <a:stretch>
-                  <a:fillRect l="-1704"/>
+                  <a:fillRect l="-2197" t="-3341" r="-2510" b="-1432"/>
                 </a:stretch>
               </a:blipFill>
             </p:spPr>
@@ -3643,12 +5114,898 @@
               <a:pPr>
                 <a:defRPr/>
               </a:pPr>
-              <a:t>2</a:t>
+              <a:t>5</a:t>
             </a:fld>
             <a:endParaRPr lang="en-US" altLang="zh-CN"/>
           </a:p>
         </p:txBody>
       </p:sp>
+      <p:cxnSp>
+        <p:nvCxnSpPr>
+          <p:cNvPr id="8" name="Straight Arrow Connector 7">
+            <a:extLst>
+              <a:ext uri="{FF2B5EF4-FFF2-40B4-BE49-F238E27FC236}">
+                <a16:creationId xmlns:a16="http://schemas.microsoft.com/office/drawing/2014/main" id="{F0BBFC81-1530-477C-8E0D-AE34100A951F}"/>
+              </a:ext>
+            </a:extLst>
+          </p:cNvPr>
+          <p:cNvCxnSpPr/>
+          <p:nvPr/>
+        </p:nvCxnSpPr>
+        <p:spPr bwMode="auto">
+          <a:xfrm>
+            <a:off x="6660232" y="3460358"/>
+            <a:ext cx="1886272" cy="0"/>
+          </a:xfrm>
+          <a:prstGeom prst="straightConnector1">
+            <a:avLst/>
+          </a:prstGeom>
+          <a:noFill/>
+          <a:ln w="12700" cap="flat" cmpd="sng" algn="ctr">
+            <a:solidFill>
+              <a:schemeClr val="tx1"/>
+            </a:solidFill>
+            <a:prstDash val="solid"/>
+            <a:round/>
+            <a:headEnd type="none" w="med" len="med"/>
+            <a:tailEnd type="triangle"/>
+          </a:ln>
+          <a:effectLst/>
+        </p:spPr>
+      </p:cxnSp>
+      <p:cxnSp>
+        <p:nvCxnSpPr>
+          <p:cNvPr id="9" name="Straight Arrow Connector 8">
+            <a:extLst>
+              <a:ext uri="{FF2B5EF4-FFF2-40B4-BE49-F238E27FC236}">
+                <a16:creationId xmlns:a16="http://schemas.microsoft.com/office/drawing/2014/main" id="{FF51B7E9-06AE-4E68-9CF9-7EAAD776E25D}"/>
+              </a:ext>
+            </a:extLst>
+          </p:cNvPr>
+          <p:cNvCxnSpPr>
+            <a:cxnSpLocks/>
+          </p:cNvCxnSpPr>
+          <p:nvPr/>
+        </p:nvCxnSpPr>
+        <p:spPr bwMode="auto">
+          <a:xfrm flipV="1">
+            <a:off x="6660232" y="2020198"/>
+            <a:ext cx="0" cy="1440160"/>
+          </a:xfrm>
+          <a:prstGeom prst="straightConnector1">
+            <a:avLst/>
+          </a:prstGeom>
+          <a:noFill/>
+          <a:ln w="12700" cap="flat" cmpd="sng" algn="ctr">
+            <a:solidFill>
+              <a:schemeClr val="tx1"/>
+            </a:solidFill>
+            <a:prstDash val="solid"/>
+            <a:round/>
+            <a:headEnd type="none" w="med" len="med"/>
+            <a:tailEnd type="triangle"/>
+          </a:ln>
+          <a:effectLst/>
+        </p:spPr>
+      </p:cxnSp>
+      <mc:AlternateContent xmlns:mc="http://schemas.openxmlformats.org/markup-compatibility/2006">
+        <mc:Choice xmlns:a14="http://schemas.microsoft.com/office/drawing/2010/main" Requires="a14">
+          <p:sp>
+            <p:nvSpPr>
+              <p:cNvPr id="13" name="TextBox 12">
+                <a:extLst>
+                  <a:ext uri="{FF2B5EF4-FFF2-40B4-BE49-F238E27FC236}">
+                    <a16:creationId xmlns:a16="http://schemas.microsoft.com/office/drawing/2014/main" id="{BA1603EF-8548-44BC-B693-293C66D8E606}"/>
+                  </a:ext>
+                </a:extLst>
+              </p:cNvPr>
+              <p:cNvSpPr txBox="1"/>
+              <p:nvPr/>
+            </p:nvSpPr>
+            <p:spPr>
+              <a:xfrm>
+                <a:off x="5463074" y="1647056"/>
+                <a:ext cx="1853952" cy="369332"/>
+              </a:xfrm>
+              <a:prstGeom prst="rect">
+                <a:avLst/>
+              </a:prstGeom>
+              <a:noFill/>
+            </p:spPr>
+            <p:txBody>
+              <a:bodyPr wrap="square">
+                <a:spAutoFit/>
+              </a:bodyPr>
+              <a:lstStyle/>
+              <a:p>
+                <a:pPr/>
+                <a14:m>
+                  <m:oMathPara xmlns:m="http://schemas.openxmlformats.org/officeDocument/2006/math">
+                    <m:oMathParaPr>
+                      <m:jc m:val="centerGroup"/>
+                    </m:oMathParaPr>
+                    <m:oMath xmlns:m="http://schemas.openxmlformats.org/officeDocument/2006/math">
+                      <m:r>
+                        <a:rPr lang="en-US" b="0" i="1" smtClean="0">
+                          <a:latin typeface="Cambria Math" panose="02040503050406030204" pitchFamily="18" charset="0"/>
+                        </a:rPr>
+                        <m:t>𝐿</m:t>
+                      </m:r>
+                      <m:d>
+                        <m:dPr>
+                          <m:ctrlPr>
+                            <a:rPr lang="en-US" i="1">
+                              <a:latin typeface="Cambria Math" panose="02040503050406030204" pitchFamily="18" charset="0"/>
+                            </a:rPr>
+                          </m:ctrlPr>
+                        </m:dPr>
+                        <m:e>
+                          <m:r>
+                            <a:rPr lang="en-US" i="1">
+                              <a:latin typeface="Cambria Math" panose="02040503050406030204" pitchFamily="18" charset="0"/>
+                            </a:rPr>
+                            <m:t>𝜃</m:t>
+                          </m:r>
+                          <m:r>
+                            <a:rPr lang="en-US" i="1">
+                              <a:latin typeface="Cambria Math" panose="02040503050406030204" pitchFamily="18" charset="0"/>
+                            </a:rPr>
+                            <m:t>,</m:t>
+                          </m:r>
+                          <m:r>
+                            <a:rPr lang="en-US" i="1">
+                              <a:latin typeface="Cambria Math" panose="02040503050406030204" pitchFamily="18" charset="0"/>
+                            </a:rPr>
+                            <m:t>𝑥</m:t>
+                          </m:r>
+                          <m:r>
+                            <a:rPr lang="en-US" i="1">
+                              <a:latin typeface="Cambria Math" panose="02040503050406030204" pitchFamily="18" charset="0"/>
+                            </a:rPr>
+                            <m:t>,</m:t>
+                          </m:r>
+                          <m:r>
+                            <a:rPr lang="en-US" i="1">
+                              <a:latin typeface="Cambria Math" panose="02040503050406030204" pitchFamily="18" charset="0"/>
+                            </a:rPr>
+                            <m:t>𝑦</m:t>
+                          </m:r>
+                        </m:e>
+                      </m:d>
+                    </m:oMath>
+                  </m:oMathPara>
+                </a14:m>
+                <a:endParaRPr lang="en-SE" dirty="0"/>
+              </a:p>
+            </p:txBody>
+          </p:sp>
+        </mc:Choice>
+        <mc:Fallback>
+          <p:sp>
+            <p:nvSpPr>
+              <p:cNvPr id="13" name="TextBox 12">
+                <a:extLst>
+                  <a:ext uri="{FF2B5EF4-FFF2-40B4-BE49-F238E27FC236}">
+                    <a16:creationId xmlns:a16="http://schemas.microsoft.com/office/drawing/2014/main" id="{BA1603EF-8548-44BC-B693-293C66D8E606}"/>
+                  </a:ext>
+                </a:extLst>
+              </p:cNvPr>
+              <p:cNvSpPr txBox="1">
+                <a:spLocks noRot="1" noChangeAspect="1" noMove="1" noResize="1" noEditPoints="1" noAdjustHandles="1" noChangeArrowheads="1" noChangeShapeType="1" noTextEdit="1"/>
+              </p:cNvSpPr>
+              <p:nvPr/>
+            </p:nvSpPr>
+            <p:spPr>
+              <a:xfrm>
+                <a:off x="5463074" y="1647056"/>
+                <a:ext cx="1853952" cy="369332"/>
+              </a:xfrm>
+              <a:prstGeom prst="rect">
+                <a:avLst/>
+              </a:prstGeom>
+              <a:blipFill>
+                <a:blip r:embed="rId3"/>
+                <a:stretch>
+                  <a:fillRect b="-8197"/>
+                </a:stretch>
+              </a:blipFill>
+            </p:spPr>
+            <p:txBody>
+              <a:bodyPr/>
+              <a:lstStyle/>
+              <a:p>
+                <a:r>
+                  <a:rPr lang="en-SE">
+                    <a:noFill/>
+                  </a:rPr>
+                  <a:t> </a:t>
+                </a:r>
+              </a:p>
+            </p:txBody>
+          </p:sp>
+        </mc:Fallback>
+      </mc:AlternateContent>
+      <mc:AlternateContent xmlns:mc="http://schemas.openxmlformats.org/markup-compatibility/2006">
+        <mc:Choice xmlns:a14="http://schemas.microsoft.com/office/drawing/2010/main" Requires="a14">
+          <p:sp>
+            <p:nvSpPr>
+              <p:cNvPr id="15" name="TextBox 14">
+                <a:extLst>
+                  <a:ext uri="{FF2B5EF4-FFF2-40B4-BE49-F238E27FC236}">
+                    <a16:creationId xmlns:a16="http://schemas.microsoft.com/office/drawing/2014/main" id="{54DC5851-1740-4FFC-BF2F-57FB7C296491}"/>
+                  </a:ext>
+                </a:extLst>
+              </p:cNvPr>
+              <p:cNvSpPr txBox="1"/>
+              <p:nvPr/>
+            </p:nvSpPr>
+            <p:spPr>
+              <a:xfrm>
+                <a:off x="8155868" y="3275692"/>
+                <a:ext cx="1061864" cy="369332"/>
+              </a:xfrm>
+              <a:prstGeom prst="rect">
+                <a:avLst/>
+              </a:prstGeom>
+              <a:noFill/>
+            </p:spPr>
+            <p:txBody>
+              <a:bodyPr wrap="square">
+                <a:spAutoFit/>
+              </a:bodyPr>
+              <a:lstStyle/>
+              <a:p>
+                <a:pPr/>
+                <a14:m>
+                  <m:oMathPara xmlns:m="http://schemas.openxmlformats.org/officeDocument/2006/math">
+                    <m:oMathParaPr>
+                      <m:jc m:val="centerGroup"/>
+                    </m:oMathParaPr>
+                    <m:oMath xmlns:m="http://schemas.openxmlformats.org/officeDocument/2006/math">
+                      <m:r>
+                        <a:rPr lang="en-US" i="1" smtClean="0">
+                          <a:latin typeface="Cambria Math" panose="02040503050406030204" pitchFamily="18" charset="0"/>
+                        </a:rPr>
+                        <m:t>𝜃</m:t>
+                      </m:r>
+                    </m:oMath>
+                  </m:oMathPara>
+                </a14:m>
+                <a:endParaRPr lang="en-SE" dirty="0"/>
+              </a:p>
+            </p:txBody>
+          </p:sp>
+        </mc:Choice>
+        <mc:Fallback>
+          <p:sp>
+            <p:nvSpPr>
+              <p:cNvPr id="15" name="TextBox 14">
+                <a:extLst>
+                  <a:ext uri="{FF2B5EF4-FFF2-40B4-BE49-F238E27FC236}">
+                    <a16:creationId xmlns:a16="http://schemas.microsoft.com/office/drawing/2014/main" id="{54DC5851-1740-4FFC-BF2F-57FB7C296491}"/>
+                  </a:ext>
+                </a:extLst>
+              </p:cNvPr>
+              <p:cNvSpPr txBox="1">
+                <a:spLocks noRot="1" noChangeAspect="1" noMove="1" noResize="1" noEditPoints="1" noAdjustHandles="1" noChangeArrowheads="1" noChangeShapeType="1" noTextEdit="1"/>
+              </p:cNvSpPr>
+              <p:nvPr/>
+            </p:nvSpPr>
+            <p:spPr>
+              <a:xfrm>
+                <a:off x="8155868" y="3275692"/>
+                <a:ext cx="1061864" cy="369332"/>
+              </a:xfrm>
+              <a:prstGeom prst="rect">
+                <a:avLst/>
+              </a:prstGeom>
+              <a:blipFill>
+                <a:blip r:embed="rId4"/>
+                <a:stretch>
+                  <a:fillRect/>
+                </a:stretch>
+              </a:blipFill>
+            </p:spPr>
+            <p:txBody>
+              <a:bodyPr/>
+              <a:lstStyle/>
+              <a:p>
+                <a:r>
+                  <a:rPr lang="en-SE">
+                    <a:noFill/>
+                  </a:rPr>
+                  <a:t> </a:t>
+                </a:r>
+              </a:p>
+            </p:txBody>
+          </p:sp>
+        </mc:Fallback>
+      </mc:AlternateContent>
+      <p:sp>
+        <p:nvSpPr>
+          <p:cNvPr id="21" name="Freeform: Shape 20">
+            <a:extLst>
+              <a:ext uri="{FF2B5EF4-FFF2-40B4-BE49-F238E27FC236}">
+                <a16:creationId xmlns:a16="http://schemas.microsoft.com/office/drawing/2014/main" id="{63973AC1-DF8A-4AAA-83E2-52F77DE8A0A6}"/>
+              </a:ext>
+            </a:extLst>
+          </p:cNvPr>
+          <p:cNvSpPr/>
+          <p:nvPr/>
+        </p:nvSpPr>
+        <p:spPr bwMode="auto">
+          <a:xfrm>
+            <a:off x="6844089" y="2236194"/>
+            <a:ext cx="1518557" cy="947165"/>
+          </a:xfrm>
+          <a:custGeom>
+            <a:avLst/>
+            <a:gdLst>
+              <a:gd name="connsiteX0" fmla="*/ 0 w 1518557"/>
+              <a:gd name="connsiteY0" fmla="*/ 0 h 947165"/>
+              <a:gd name="connsiteX1" fmla="*/ 791936 w 1518557"/>
+              <a:gd name="connsiteY1" fmla="*/ 947057 h 947165"/>
+              <a:gd name="connsiteX2" fmla="*/ 1518557 w 1518557"/>
+              <a:gd name="connsiteY2" fmla="*/ 48986 h 947165"/>
+            </a:gdLst>
+            <a:ahLst/>
+            <a:cxnLst>
+              <a:cxn ang="0">
+                <a:pos x="connsiteX0" y="connsiteY0"/>
+              </a:cxn>
+              <a:cxn ang="0">
+                <a:pos x="connsiteX1" y="connsiteY1"/>
+              </a:cxn>
+              <a:cxn ang="0">
+                <a:pos x="connsiteX2" y="connsiteY2"/>
+              </a:cxn>
+            </a:cxnLst>
+            <a:rect l="l" t="t" r="r" b="b"/>
+            <a:pathLst>
+              <a:path w="1518557" h="947165">
+                <a:moveTo>
+                  <a:pt x="0" y="0"/>
+                </a:moveTo>
+                <a:cubicBezTo>
+                  <a:pt x="269421" y="469446"/>
+                  <a:pt x="538843" y="938893"/>
+                  <a:pt x="791936" y="947057"/>
+                </a:cubicBezTo>
+                <a:cubicBezTo>
+                  <a:pt x="1045029" y="955221"/>
+                  <a:pt x="1281793" y="502103"/>
+                  <a:pt x="1518557" y="48986"/>
+                </a:cubicBezTo>
+              </a:path>
+            </a:pathLst>
+          </a:custGeom>
+          <a:noFill/>
+          <a:ln w="25400" cap="flat" cmpd="sng" algn="ctr">
+            <a:solidFill>
+              <a:schemeClr val="tx1"/>
+            </a:solidFill>
+            <a:prstDash val="solid"/>
+            <a:round/>
+            <a:headEnd type="none" w="med" len="med"/>
+            <a:tailEnd type="none" w="med" len="med"/>
+          </a:ln>
+          <a:effectLst/>
+        </p:spPr>
+        <p:txBody>
+          <a:bodyPr vert="horz" wrap="square" lIns="91440" tIns="45720" rIns="91440" bIns="45720" numCol="1" rtlCol="0" anchor="t" anchorCtr="0" compatLnSpc="1">
+            <a:prstTxWarp prst="textNoShape">
+              <a:avLst/>
+            </a:prstTxWarp>
+          </a:bodyPr>
+          <a:lstStyle/>
+          <a:p>
+            <a:pPr marL="0" marR="0" indent="0" algn="l" defTabSz="914400" rtl="0" eaLnBrk="1" fontAlgn="base" latinLnBrk="0" hangingPunct="1">
+              <a:lnSpc>
+                <a:spcPct val="100000"/>
+              </a:lnSpc>
+              <a:spcBef>
+                <a:spcPct val="0"/>
+              </a:spcBef>
+              <a:spcAft>
+                <a:spcPct val="0"/>
+              </a:spcAft>
+              <a:buClrTx/>
+              <a:buSzTx/>
+              <a:buFontTx/>
+              <a:buNone/>
+              <a:tabLst/>
+            </a:pPr>
+            <a:endParaRPr kumimoji="0" lang="en-SE" sz="1800" b="0" i="0" u="none" strike="noStrike" cap="none" normalizeH="0" baseline="0">
+              <a:ln w="3175">
+                <a:solidFill>
+                  <a:schemeClr val="tx1"/>
+                </a:solidFill>
+              </a:ln>
+              <a:solidFill>
+                <a:schemeClr val="tx1"/>
+              </a:solidFill>
+              <a:effectLst/>
+              <a:latin typeface="Arial" charset="0"/>
+            </a:endParaRPr>
+          </a:p>
+        </p:txBody>
+      </p:sp>
+      <p:cxnSp>
+        <p:nvCxnSpPr>
+          <p:cNvPr id="24" name="Straight Arrow Connector 23">
+            <a:extLst>
+              <a:ext uri="{FF2B5EF4-FFF2-40B4-BE49-F238E27FC236}">
+                <a16:creationId xmlns:a16="http://schemas.microsoft.com/office/drawing/2014/main" id="{CC135D3E-90BE-4AFC-8541-CD1DB04EF318}"/>
+              </a:ext>
+            </a:extLst>
+          </p:cNvPr>
+          <p:cNvCxnSpPr/>
+          <p:nvPr/>
+        </p:nvCxnSpPr>
+        <p:spPr bwMode="auto">
+          <a:xfrm>
+            <a:off x="7092280" y="2452246"/>
+            <a:ext cx="360040" cy="576064"/>
+          </a:xfrm>
+          <a:prstGeom prst="straightConnector1">
+            <a:avLst/>
+          </a:prstGeom>
+          <a:noFill/>
+          <a:ln w="3175" cap="flat" cmpd="sng" algn="ctr">
+            <a:solidFill>
+              <a:schemeClr val="tx1"/>
+            </a:solidFill>
+            <a:prstDash val="solid"/>
+            <a:round/>
+            <a:headEnd type="none" w="med" len="med"/>
+            <a:tailEnd type="triangle"/>
+          </a:ln>
+          <a:effectLst/>
+        </p:spPr>
+      </p:cxnSp>
+      <p:cxnSp>
+        <p:nvCxnSpPr>
+          <p:cNvPr id="25" name="Straight Arrow Connector 24">
+            <a:extLst>
+              <a:ext uri="{FF2B5EF4-FFF2-40B4-BE49-F238E27FC236}">
+                <a16:creationId xmlns:a16="http://schemas.microsoft.com/office/drawing/2014/main" id="{8EEAECD9-1F30-4900-BEDE-54C7E131E33A}"/>
+              </a:ext>
+            </a:extLst>
+          </p:cNvPr>
+          <p:cNvCxnSpPr/>
+          <p:nvPr/>
+        </p:nvCxnSpPr>
+        <p:spPr bwMode="auto">
+          <a:xfrm>
+            <a:off x="6660232" y="5836622"/>
+            <a:ext cx="1886272" cy="0"/>
+          </a:xfrm>
+          <a:prstGeom prst="straightConnector1">
+            <a:avLst/>
+          </a:prstGeom>
+          <a:noFill/>
+          <a:ln w="12700" cap="flat" cmpd="sng" algn="ctr">
+            <a:solidFill>
+              <a:schemeClr val="tx1"/>
+            </a:solidFill>
+            <a:prstDash val="solid"/>
+            <a:round/>
+            <a:headEnd type="none" w="med" len="med"/>
+            <a:tailEnd type="triangle"/>
+          </a:ln>
+          <a:effectLst/>
+        </p:spPr>
+      </p:cxnSp>
+      <p:cxnSp>
+        <p:nvCxnSpPr>
+          <p:cNvPr id="26" name="Straight Arrow Connector 25">
+            <a:extLst>
+              <a:ext uri="{FF2B5EF4-FFF2-40B4-BE49-F238E27FC236}">
+                <a16:creationId xmlns:a16="http://schemas.microsoft.com/office/drawing/2014/main" id="{6C8EEBAE-9A26-4BE1-810B-CCD1B01FFC43}"/>
+              </a:ext>
+            </a:extLst>
+          </p:cNvPr>
+          <p:cNvCxnSpPr>
+            <a:cxnSpLocks/>
+          </p:cNvCxnSpPr>
+          <p:nvPr/>
+        </p:nvCxnSpPr>
+        <p:spPr bwMode="auto">
+          <a:xfrm flipV="1">
+            <a:off x="6660232" y="4396462"/>
+            <a:ext cx="0" cy="1440160"/>
+          </a:xfrm>
+          <a:prstGeom prst="straightConnector1">
+            <a:avLst/>
+          </a:prstGeom>
+          <a:noFill/>
+          <a:ln w="12700" cap="flat" cmpd="sng" algn="ctr">
+            <a:solidFill>
+              <a:schemeClr val="tx1"/>
+            </a:solidFill>
+            <a:prstDash val="solid"/>
+            <a:round/>
+            <a:headEnd type="none" w="med" len="med"/>
+            <a:tailEnd type="triangle"/>
+          </a:ln>
+          <a:effectLst/>
+        </p:spPr>
+      </p:cxnSp>
+      <mc:AlternateContent xmlns:mc="http://schemas.openxmlformats.org/markup-compatibility/2006">
+        <mc:Choice xmlns:a14="http://schemas.microsoft.com/office/drawing/2010/main" Requires="a14">
+          <p:sp>
+            <p:nvSpPr>
+              <p:cNvPr id="27" name="TextBox 26">
+                <a:extLst>
+                  <a:ext uri="{FF2B5EF4-FFF2-40B4-BE49-F238E27FC236}">
+                    <a16:creationId xmlns:a16="http://schemas.microsoft.com/office/drawing/2014/main" id="{3C829D8C-AD1A-4460-90E9-01695FC1AA5B}"/>
+                  </a:ext>
+                </a:extLst>
+              </p:cNvPr>
+              <p:cNvSpPr txBox="1"/>
+              <p:nvPr/>
+            </p:nvSpPr>
+            <p:spPr>
+              <a:xfrm>
+                <a:off x="5463074" y="4023320"/>
+                <a:ext cx="1853952" cy="369332"/>
+              </a:xfrm>
+              <a:prstGeom prst="rect">
+                <a:avLst/>
+              </a:prstGeom>
+              <a:noFill/>
+            </p:spPr>
+            <p:txBody>
+              <a:bodyPr wrap="square">
+                <a:spAutoFit/>
+              </a:bodyPr>
+              <a:lstStyle/>
+              <a:p>
+                <a:pPr/>
+                <a14:m>
+                  <m:oMathPara xmlns:m="http://schemas.openxmlformats.org/officeDocument/2006/math">
+                    <m:oMathParaPr>
+                      <m:jc m:val="centerGroup"/>
+                    </m:oMathParaPr>
+                    <m:oMath xmlns:m="http://schemas.openxmlformats.org/officeDocument/2006/math">
+                      <m:r>
+                        <a:rPr lang="en-US" b="0" i="1" smtClean="0">
+                          <a:latin typeface="Cambria Math" panose="02040503050406030204" pitchFamily="18" charset="0"/>
+                        </a:rPr>
+                        <m:t>𝐿</m:t>
+                      </m:r>
+                      <m:d>
+                        <m:dPr>
+                          <m:ctrlPr>
+                            <a:rPr lang="en-US" i="1">
+                              <a:latin typeface="Cambria Math" panose="02040503050406030204" pitchFamily="18" charset="0"/>
+                            </a:rPr>
+                          </m:ctrlPr>
+                        </m:dPr>
+                        <m:e>
+                          <m:r>
+                            <a:rPr lang="en-US" i="1">
+                              <a:latin typeface="Cambria Math" panose="02040503050406030204" pitchFamily="18" charset="0"/>
+                            </a:rPr>
+                            <m:t>𝜃</m:t>
+                          </m:r>
+                          <m:r>
+                            <a:rPr lang="en-US" i="1">
+                              <a:latin typeface="Cambria Math" panose="02040503050406030204" pitchFamily="18" charset="0"/>
+                            </a:rPr>
+                            <m:t>,</m:t>
+                          </m:r>
+                          <m:r>
+                            <a:rPr lang="en-US" i="1">
+                              <a:latin typeface="Cambria Math" panose="02040503050406030204" pitchFamily="18" charset="0"/>
+                            </a:rPr>
+                            <m:t>𝑥</m:t>
+                          </m:r>
+                          <m:r>
+                            <a:rPr lang="en-US" i="1">
+                              <a:latin typeface="Cambria Math" panose="02040503050406030204" pitchFamily="18" charset="0"/>
+                            </a:rPr>
+                            <m:t>,</m:t>
+                          </m:r>
+                          <m:r>
+                            <a:rPr lang="en-US" i="1">
+                              <a:latin typeface="Cambria Math" panose="02040503050406030204" pitchFamily="18" charset="0"/>
+                            </a:rPr>
+                            <m:t>𝑦</m:t>
+                          </m:r>
+                        </m:e>
+                      </m:d>
+                    </m:oMath>
+                  </m:oMathPara>
+                </a14:m>
+                <a:endParaRPr lang="en-SE" dirty="0"/>
+              </a:p>
+            </p:txBody>
+          </p:sp>
+        </mc:Choice>
+        <mc:Fallback>
+          <p:sp>
+            <p:nvSpPr>
+              <p:cNvPr id="27" name="TextBox 26">
+                <a:extLst>
+                  <a:ext uri="{FF2B5EF4-FFF2-40B4-BE49-F238E27FC236}">
+                    <a16:creationId xmlns:a16="http://schemas.microsoft.com/office/drawing/2014/main" id="{3C829D8C-AD1A-4460-90E9-01695FC1AA5B}"/>
+                  </a:ext>
+                </a:extLst>
+              </p:cNvPr>
+              <p:cNvSpPr txBox="1">
+                <a:spLocks noRot="1" noChangeAspect="1" noMove="1" noResize="1" noEditPoints="1" noAdjustHandles="1" noChangeArrowheads="1" noChangeShapeType="1" noTextEdit="1"/>
+              </p:cNvSpPr>
+              <p:nvPr/>
+            </p:nvSpPr>
+            <p:spPr>
+              <a:xfrm>
+                <a:off x="5463074" y="4023320"/>
+                <a:ext cx="1853952" cy="369332"/>
+              </a:xfrm>
+              <a:prstGeom prst="rect">
+                <a:avLst/>
+              </a:prstGeom>
+              <a:blipFill>
+                <a:blip r:embed="rId5"/>
+                <a:stretch>
+                  <a:fillRect b="-6557"/>
+                </a:stretch>
+              </a:blipFill>
+            </p:spPr>
+            <p:txBody>
+              <a:bodyPr/>
+              <a:lstStyle/>
+              <a:p>
+                <a:r>
+                  <a:rPr lang="en-SE">
+                    <a:noFill/>
+                  </a:rPr>
+                  <a:t> </a:t>
+                </a:r>
+              </a:p>
+            </p:txBody>
+          </p:sp>
+        </mc:Fallback>
+      </mc:AlternateContent>
+      <mc:AlternateContent xmlns:mc="http://schemas.openxmlformats.org/markup-compatibility/2006">
+        <mc:Choice xmlns:a14="http://schemas.microsoft.com/office/drawing/2010/main" Requires="a14">
+          <p:sp>
+            <p:nvSpPr>
+              <p:cNvPr id="28" name="TextBox 27">
+                <a:extLst>
+                  <a:ext uri="{FF2B5EF4-FFF2-40B4-BE49-F238E27FC236}">
+                    <a16:creationId xmlns:a16="http://schemas.microsoft.com/office/drawing/2014/main" id="{7BBA772F-EA75-4B9D-AA52-E3D69F128D99}"/>
+                  </a:ext>
+                </a:extLst>
+              </p:cNvPr>
+              <p:cNvSpPr txBox="1"/>
+              <p:nvPr/>
+            </p:nvSpPr>
+            <p:spPr>
+              <a:xfrm>
+                <a:off x="8155868" y="5651956"/>
+                <a:ext cx="1061864" cy="369332"/>
+              </a:xfrm>
+              <a:prstGeom prst="rect">
+                <a:avLst/>
+              </a:prstGeom>
+              <a:noFill/>
+            </p:spPr>
+            <p:txBody>
+              <a:bodyPr wrap="square">
+                <a:spAutoFit/>
+              </a:bodyPr>
+              <a:lstStyle/>
+              <a:p>
+                <a:pPr/>
+                <a14:m>
+                  <m:oMathPara xmlns:m="http://schemas.openxmlformats.org/officeDocument/2006/math">
+                    <m:oMathParaPr>
+                      <m:jc m:val="centerGroup"/>
+                    </m:oMathParaPr>
+                    <m:oMath xmlns:m="http://schemas.openxmlformats.org/officeDocument/2006/math">
+                      <m:r>
+                        <a:rPr lang="en-US" b="0" i="1" smtClean="0">
+                          <a:latin typeface="Cambria Math" panose="02040503050406030204" pitchFamily="18" charset="0"/>
+                        </a:rPr>
+                        <m:t>𝑥</m:t>
+                      </m:r>
+                    </m:oMath>
+                  </m:oMathPara>
+                </a14:m>
+                <a:endParaRPr lang="en-SE" dirty="0"/>
+              </a:p>
+            </p:txBody>
+          </p:sp>
+        </mc:Choice>
+        <mc:Fallback>
+          <p:sp>
+            <p:nvSpPr>
+              <p:cNvPr id="28" name="TextBox 27">
+                <a:extLst>
+                  <a:ext uri="{FF2B5EF4-FFF2-40B4-BE49-F238E27FC236}">
+                    <a16:creationId xmlns:a16="http://schemas.microsoft.com/office/drawing/2014/main" id="{7BBA772F-EA75-4B9D-AA52-E3D69F128D99}"/>
+                  </a:ext>
+                </a:extLst>
+              </p:cNvPr>
+              <p:cNvSpPr txBox="1">
+                <a:spLocks noRot="1" noChangeAspect="1" noMove="1" noResize="1" noEditPoints="1" noAdjustHandles="1" noChangeArrowheads="1" noChangeShapeType="1" noTextEdit="1"/>
+              </p:cNvSpPr>
+              <p:nvPr/>
+            </p:nvSpPr>
+            <p:spPr>
+              <a:xfrm>
+                <a:off x="8155868" y="5651956"/>
+                <a:ext cx="1061864" cy="369332"/>
+              </a:xfrm>
+              <a:prstGeom prst="rect">
+                <a:avLst/>
+              </a:prstGeom>
+              <a:blipFill>
+                <a:blip r:embed="rId6"/>
+                <a:stretch>
+                  <a:fillRect/>
+                </a:stretch>
+              </a:blipFill>
+            </p:spPr>
+            <p:txBody>
+              <a:bodyPr/>
+              <a:lstStyle/>
+              <a:p>
+                <a:r>
+                  <a:rPr lang="en-SE">
+                    <a:noFill/>
+                  </a:rPr>
+                  <a:t> </a:t>
+                </a:r>
+              </a:p>
+            </p:txBody>
+          </p:sp>
+        </mc:Fallback>
+      </mc:AlternateContent>
+      <p:sp>
+        <p:nvSpPr>
+          <p:cNvPr id="29" name="Freeform: Shape 28">
+            <a:extLst>
+              <a:ext uri="{FF2B5EF4-FFF2-40B4-BE49-F238E27FC236}">
+                <a16:creationId xmlns:a16="http://schemas.microsoft.com/office/drawing/2014/main" id="{C0DBD090-199D-4CC0-8A09-1AA422DE413B}"/>
+              </a:ext>
+            </a:extLst>
+          </p:cNvPr>
+          <p:cNvSpPr/>
+          <p:nvPr/>
+        </p:nvSpPr>
+        <p:spPr bwMode="auto">
+          <a:xfrm>
+            <a:off x="6844089" y="4612458"/>
+            <a:ext cx="1518557" cy="947165"/>
+          </a:xfrm>
+          <a:custGeom>
+            <a:avLst/>
+            <a:gdLst>
+              <a:gd name="connsiteX0" fmla="*/ 0 w 1518557"/>
+              <a:gd name="connsiteY0" fmla="*/ 0 h 947165"/>
+              <a:gd name="connsiteX1" fmla="*/ 791936 w 1518557"/>
+              <a:gd name="connsiteY1" fmla="*/ 947057 h 947165"/>
+              <a:gd name="connsiteX2" fmla="*/ 1518557 w 1518557"/>
+              <a:gd name="connsiteY2" fmla="*/ 48986 h 947165"/>
+            </a:gdLst>
+            <a:ahLst/>
+            <a:cxnLst>
+              <a:cxn ang="0">
+                <a:pos x="connsiteX0" y="connsiteY0"/>
+              </a:cxn>
+              <a:cxn ang="0">
+                <a:pos x="connsiteX1" y="connsiteY1"/>
+              </a:cxn>
+              <a:cxn ang="0">
+                <a:pos x="connsiteX2" y="connsiteY2"/>
+              </a:cxn>
+            </a:cxnLst>
+            <a:rect l="l" t="t" r="r" b="b"/>
+            <a:pathLst>
+              <a:path w="1518557" h="947165">
+                <a:moveTo>
+                  <a:pt x="0" y="0"/>
+                </a:moveTo>
+                <a:cubicBezTo>
+                  <a:pt x="269421" y="469446"/>
+                  <a:pt x="538843" y="938893"/>
+                  <a:pt x="791936" y="947057"/>
+                </a:cubicBezTo>
+                <a:cubicBezTo>
+                  <a:pt x="1045029" y="955221"/>
+                  <a:pt x="1281793" y="502103"/>
+                  <a:pt x="1518557" y="48986"/>
+                </a:cubicBezTo>
+              </a:path>
+            </a:pathLst>
+          </a:custGeom>
+          <a:noFill/>
+          <a:ln w="25400" cap="flat" cmpd="sng" algn="ctr">
+            <a:solidFill>
+              <a:schemeClr val="tx1"/>
+            </a:solidFill>
+            <a:prstDash val="solid"/>
+            <a:round/>
+            <a:headEnd type="none" w="med" len="med"/>
+            <a:tailEnd type="none" w="med" len="med"/>
+          </a:ln>
+          <a:effectLst/>
+        </p:spPr>
+        <p:txBody>
+          <a:bodyPr vert="horz" wrap="square" lIns="91440" tIns="45720" rIns="91440" bIns="45720" numCol="1" rtlCol="0" anchor="t" anchorCtr="0" compatLnSpc="1">
+            <a:prstTxWarp prst="textNoShape">
+              <a:avLst/>
+            </a:prstTxWarp>
+          </a:bodyPr>
+          <a:lstStyle/>
+          <a:p>
+            <a:pPr marL="0" marR="0" indent="0" algn="l" defTabSz="914400" rtl="0" eaLnBrk="1" fontAlgn="base" latinLnBrk="0" hangingPunct="1">
+              <a:lnSpc>
+                <a:spcPct val="100000"/>
+              </a:lnSpc>
+              <a:spcBef>
+                <a:spcPct val="0"/>
+              </a:spcBef>
+              <a:spcAft>
+                <a:spcPct val="0"/>
+              </a:spcAft>
+              <a:buClrTx/>
+              <a:buSzTx/>
+              <a:buFontTx/>
+              <a:buNone/>
+              <a:tabLst/>
+            </a:pPr>
+            <a:endParaRPr kumimoji="0" lang="en-SE" sz="1800" b="0" i="0" u="none" strike="noStrike" cap="none" normalizeH="0" baseline="0">
+              <a:ln w="3175">
+                <a:solidFill>
+                  <a:schemeClr val="tx1"/>
+                </a:solidFill>
+              </a:ln>
+              <a:solidFill>
+                <a:schemeClr val="tx1"/>
+              </a:solidFill>
+              <a:effectLst/>
+              <a:latin typeface="Arial" charset="0"/>
+            </a:endParaRPr>
+          </a:p>
+        </p:txBody>
+      </p:sp>
+      <p:cxnSp>
+        <p:nvCxnSpPr>
+          <p:cNvPr id="30" name="Straight Arrow Connector 29">
+            <a:extLst>
+              <a:ext uri="{FF2B5EF4-FFF2-40B4-BE49-F238E27FC236}">
+                <a16:creationId xmlns:a16="http://schemas.microsoft.com/office/drawing/2014/main" id="{547F0A96-AD78-45AF-BECF-AD0AA4519F41}"/>
+              </a:ext>
+            </a:extLst>
+          </p:cNvPr>
+          <p:cNvCxnSpPr/>
+          <p:nvPr/>
+        </p:nvCxnSpPr>
+        <p:spPr bwMode="auto">
+          <a:xfrm>
+            <a:off x="7092280" y="4828510"/>
+            <a:ext cx="360040" cy="576064"/>
+          </a:xfrm>
+          <a:prstGeom prst="straightConnector1">
+            <a:avLst/>
+          </a:prstGeom>
+          <a:noFill/>
+          <a:ln w="3175" cap="flat" cmpd="sng" algn="ctr">
+            <a:solidFill>
+              <a:schemeClr val="tx1"/>
+            </a:solidFill>
+            <a:prstDash val="solid"/>
+            <a:round/>
+            <a:headEnd type="triangle" w="med" len="med"/>
+            <a:tailEnd type="none" w="med" len="med"/>
+          </a:ln>
+          <a:effectLst/>
+        </p:spPr>
+      </p:cxnSp>
     </p:spTree>
     <p:extLst>
       <p:ext uri="{BB962C8B-B14F-4D97-AF65-F5344CB8AC3E}">
@@ -3662,7 +6019,182 @@
 </p:sld>
 </file>
 
-<file path=ppt/slides/slide3.xml><?xml version="1.0" encoding="utf-8"?>
+<file path=ppt/slides/slide6.xml><?xml version="1.0" encoding="utf-8"?>
+<p:sld xmlns:a="http://schemas.openxmlformats.org/drawingml/2006/main" xmlns:r="http://schemas.openxmlformats.org/officeDocument/2006/relationships" xmlns:p="http://schemas.openxmlformats.org/presentationml/2006/main">
+  <p:cSld>
+    <p:spTree>
+      <p:nvGrpSpPr>
+        <p:cNvPr id="1" name=""/>
+        <p:cNvGrpSpPr/>
+        <p:nvPr/>
+      </p:nvGrpSpPr>
+      <p:grpSpPr>
+        <a:xfrm>
+          <a:off x="0" y="0"/>
+          <a:ext cx="0" cy="0"/>
+          <a:chOff x="0" y="0"/>
+          <a:chExt cx="0" cy="0"/>
+        </a:xfrm>
+      </p:grpSpPr>
+      <p:sp>
+        <p:nvSpPr>
+          <p:cNvPr id="2" name="Title 1">
+            <a:extLst>
+              <a:ext uri="{FF2B5EF4-FFF2-40B4-BE49-F238E27FC236}">
+                <a16:creationId xmlns:a16="http://schemas.microsoft.com/office/drawing/2014/main" id="{9A6BE48E-40CA-4B1D-B514-3F167ECC08C3}"/>
+              </a:ext>
+            </a:extLst>
+          </p:cNvPr>
+          <p:cNvSpPr>
+            <a:spLocks noGrp="1"/>
+          </p:cNvSpPr>
+          <p:nvPr>
+            <p:ph type="title"/>
+          </p:nvPr>
+        </p:nvSpPr>
+        <p:spPr/>
+        <p:txBody>
+          <a:bodyPr/>
+          <a:lstStyle/>
+          <a:p>
+            <a:endParaRPr lang="en-SE"/>
+          </a:p>
+        </p:txBody>
+      </p:sp>
+      <p:sp>
+        <p:nvSpPr>
+          <p:cNvPr id="3" name="Content Placeholder 2">
+            <a:extLst>
+              <a:ext uri="{FF2B5EF4-FFF2-40B4-BE49-F238E27FC236}">
+                <a16:creationId xmlns:a16="http://schemas.microsoft.com/office/drawing/2014/main" id="{368A2248-BB8B-4292-BC41-CD5CCADFB613}"/>
+              </a:ext>
+            </a:extLst>
+          </p:cNvPr>
+          <p:cNvSpPr>
+            <a:spLocks noGrp="1"/>
+          </p:cNvSpPr>
+          <p:nvPr>
+            <p:ph idx="1"/>
+          </p:nvPr>
+        </p:nvSpPr>
+        <p:spPr/>
+        <p:txBody>
+          <a:bodyPr/>
+          <a:lstStyle/>
+          <a:p>
+            <a:endParaRPr lang="en-SE" dirty="0"/>
+          </a:p>
+        </p:txBody>
+      </p:sp>
+      <p:sp>
+        <p:nvSpPr>
+          <p:cNvPr id="4" name="Slide Number Placeholder 3">
+            <a:extLst>
+              <a:ext uri="{FF2B5EF4-FFF2-40B4-BE49-F238E27FC236}">
+                <a16:creationId xmlns:a16="http://schemas.microsoft.com/office/drawing/2014/main" id="{1FAF31E4-76C6-40FE-89EA-DB0F0B39B1D3}"/>
+              </a:ext>
+            </a:extLst>
+          </p:cNvPr>
+          <p:cNvSpPr>
+            <a:spLocks noGrp="1"/>
+          </p:cNvSpPr>
+          <p:nvPr>
+            <p:ph type="sldNum" sz="quarter" idx="12"/>
+          </p:nvPr>
+        </p:nvSpPr>
+        <p:spPr/>
+        <p:txBody>
+          <a:bodyPr/>
+          <a:lstStyle/>
+          <a:p>
+            <a:pPr>
+              <a:defRPr/>
+            </a:pPr>
+            <a:fld id="{F57F456A-00AF-44E6-8D70-638C0D0130FF}" type="slidenum">
+              <a:rPr lang="en-US" altLang="zh-CN" smtClean="0"/>
+              <a:pPr>
+                <a:defRPr/>
+              </a:pPr>
+              <a:t>6</a:t>
+            </a:fld>
+            <a:endParaRPr lang="en-US" altLang="zh-CN"/>
+          </a:p>
+        </p:txBody>
+      </p:sp>
+      <p:pic>
+        <p:nvPicPr>
+          <p:cNvPr id="6" name="Picture 5">
+            <a:extLst>
+              <a:ext uri="{FF2B5EF4-FFF2-40B4-BE49-F238E27FC236}">
+                <a16:creationId xmlns:a16="http://schemas.microsoft.com/office/drawing/2014/main" id="{A8406523-8501-41A7-9D3C-ADBB3AEC8AEC}"/>
+              </a:ext>
+            </a:extLst>
+          </p:cNvPr>
+          <p:cNvPicPr>
+            <a:picLocks noChangeAspect="1"/>
+          </p:cNvPicPr>
+          <p:nvPr/>
+        </p:nvPicPr>
+        <p:blipFill>
+          <a:blip r:embed="rId2"/>
+          <a:stretch>
+            <a:fillRect/>
+          </a:stretch>
+        </p:blipFill>
+        <p:spPr>
+          <a:xfrm>
+            <a:off x="683568" y="2983031"/>
+            <a:ext cx="6801799" cy="3791479"/>
+          </a:xfrm>
+          <a:prstGeom prst="rect">
+            <a:avLst/>
+          </a:prstGeom>
+        </p:spPr>
+      </p:pic>
+      <p:pic>
+        <p:nvPicPr>
+          <p:cNvPr id="8" name="Picture 7">
+            <a:extLst>
+              <a:ext uri="{FF2B5EF4-FFF2-40B4-BE49-F238E27FC236}">
+                <a16:creationId xmlns:a16="http://schemas.microsoft.com/office/drawing/2014/main" id="{A696573D-005C-42FD-A5A4-0BC3499C4CC8}"/>
+              </a:ext>
+            </a:extLst>
+          </p:cNvPr>
+          <p:cNvPicPr>
+            <a:picLocks noChangeAspect="1"/>
+          </p:cNvPicPr>
+          <p:nvPr/>
+        </p:nvPicPr>
+        <p:blipFill>
+          <a:blip r:embed="rId3"/>
+          <a:stretch>
+            <a:fillRect/>
+          </a:stretch>
+        </p:blipFill>
+        <p:spPr>
+          <a:xfrm>
+            <a:off x="4552617" y="523055"/>
+            <a:ext cx="4763165" cy="2086266"/>
+          </a:xfrm>
+          <a:prstGeom prst="rect">
+            <a:avLst/>
+          </a:prstGeom>
+        </p:spPr>
+      </p:pic>
+    </p:spTree>
+    <p:extLst>
+      <p:ext uri="{BB962C8B-B14F-4D97-AF65-F5344CB8AC3E}">
+        <p14:creationId xmlns:p14="http://schemas.microsoft.com/office/powerpoint/2010/main" val="3409652354"/>
+      </p:ext>
+    </p:extLst>
+  </p:cSld>
+  <p:clrMapOvr>
+    <a:masterClrMapping/>
+  </p:clrMapOvr>
+</p:sld>
+</file>
+
+<file path=ppt/slides/slide7.xml><?xml version="1.0" encoding="utf-8"?>
 <p:sld xmlns:a="http://schemas.openxmlformats.org/drawingml/2006/main" xmlns:r="http://schemas.openxmlformats.org/officeDocument/2006/relationships" xmlns:p="http://schemas.openxmlformats.org/presentationml/2006/main">
   <p:cSld>
     <p:spTree>
@@ -3702,37 +6234,700 @@
           <a:p>
             <a:r>
               <a:rPr lang="en-US" dirty="0"/>
-              <a:t>FGSM</a:t>
+              <a:t>Projected Gradient Descent (PGD)</a:t>
             </a:r>
             <a:endParaRPr lang="en-SE" dirty="0"/>
           </a:p>
         </p:txBody>
       </p:sp>
-      <p:sp>
-        <p:nvSpPr>
-          <p:cNvPr id="3" name="Content Placeholder 2">
-            <a:extLst>
-              <a:ext uri="{FF2B5EF4-FFF2-40B4-BE49-F238E27FC236}">
-                <a16:creationId xmlns:a16="http://schemas.microsoft.com/office/drawing/2014/main" id="{BDAE9B25-1E4A-468F-A53E-AAFD63F1414C}"/>
-              </a:ext>
-            </a:extLst>
-          </p:cNvPr>
-          <p:cNvSpPr>
-            <a:spLocks noGrp="1"/>
-          </p:cNvSpPr>
-          <p:nvPr>
-            <p:ph idx="1"/>
-          </p:nvPr>
-        </p:nvSpPr>
-        <p:spPr/>
-        <p:txBody>
-          <a:bodyPr/>
-          <a:lstStyle/>
-          <a:p>
-            <a:endParaRPr lang="en-SE"/>
-          </a:p>
-        </p:txBody>
-      </p:sp>
+      <mc:AlternateContent xmlns:mc="http://schemas.openxmlformats.org/markup-compatibility/2006">
+        <mc:Choice xmlns:a14="http://schemas.microsoft.com/office/drawing/2010/main" Requires="a14">
+          <p:sp>
+            <p:nvSpPr>
+              <p:cNvPr id="3" name="Content Placeholder 2">
+                <a:extLst>
+                  <a:ext uri="{FF2B5EF4-FFF2-40B4-BE49-F238E27FC236}">
+                    <a16:creationId xmlns:a16="http://schemas.microsoft.com/office/drawing/2014/main" id="{BDAE9B25-1E4A-468F-A53E-AAFD63F1414C}"/>
+                  </a:ext>
+                </a:extLst>
+              </p:cNvPr>
+              <p:cNvSpPr>
+                <a:spLocks noGrp="1"/>
+              </p:cNvSpPr>
+              <p:nvPr>
+                <p:ph idx="1"/>
+              </p:nvPr>
+            </p:nvSpPr>
+            <p:spPr/>
+            <p:txBody>
+              <a:bodyPr/>
+              <a:lstStyle/>
+              <a:p>
+                <a:r>
+                  <a:rPr lang="en-US" dirty="0"/>
+                  <a:t>Find </a:t>
+                </a:r>
+                <a14:m>
+                  <m:oMath xmlns:m="http://schemas.openxmlformats.org/officeDocument/2006/math">
+                    <m:sSup>
+                      <m:sSupPr>
+                        <m:ctrlPr>
+                          <a:rPr lang="en-US" b="0" i="1" smtClean="0">
+                            <a:latin typeface="Cambria Math" panose="02040503050406030204" pitchFamily="18" charset="0"/>
+                          </a:rPr>
+                        </m:ctrlPr>
+                      </m:sSupPr>
+                      <m:e>
+                        <m:r>
+                          <a:rPr lang="en-US" b="0" i="1" smtClean="0">
+                            <a:latin typeface="Cambria Math" panose="02040503050406030204" pitchFamily="18" charset="0"/>
+                          </a:rPr>
+                          <m:t>𝑥</m:t>
+                        </m:r>
+                      </m:e>
+                      <m:sup>
+                        <m:r>
+                          <a:rPr lang="en-US" b="0" i="1" smtClean="0">
+                            <a:latin typeface="Cambria Math" panose="02040503050406030204" pitchFamily="18" charset="0"/>
+                          </a:rPr>
+                          <m:t>∗</m:t>
+                        </m:r>
+                      </m:sup>
+                    </m:sSup>
+                    <m:r>
+                      <a:rPr lang="en-US" b="0" i="1" smtClean="0">
+                        <a:latin typeface="Cambria Math" panose="02040503050406030204" pitchFamily="18" charset="0"/>
+                      </a:rPr>
+                      <m:t>=</m:t>
+                    </m:r>
+                    <m:func>
+                      <m:funcPr>
+                        <m:ctrlPr>
+                          <a:rPr lang="en-US" b="0" i="1" smtClean="0">
+                            <a:latin typeface="Cambria Math" panose="02040503050406030204" pitchFamily="18" charset="0"/>
+                          </a:rPr>
+                        </m:ctrlPr>
+                      </m:funcPr>
+                      <m:fName>
+                        <m:sSub>
+                          <m:sSubPr>
+                            <m:ctrlPr>
+                              <a:rPr lang="en-US" b="0" i="0" smtClean="0">
+                                <a:latin typeface="Cambria Math" panose="02040503050406030204" pitchFamily="18" charset="0"/>
+                              </a:rPr>
+                            </m:ctrlPr>
+                          </m:sSubPr>
+                          <m:e>
+                            <m:r>
+                              <m:rPr>
+                                <m:sty m:val="p"/>
+                              </m:rPr>
+                              <a:rPr lang="en-US" b="0" i="0" smtClean="0">
+                                <a:latin typeface="Cambria Math" panose="02040503050406030204" pitchFamily="18" charset="0"/>
+                              </a:rPr>
+                              <m:t>argmax</m:t>
+                            </m:r>
+                          </m:e>
+                          <m:sub>
+                            <m:sSup>
+                              <m:sSupPr>
+                                <m:ctrlPr>
+                                  <a:rPr lang="en-US" b="0" i="0" smtClean="0">
+                                    <a:latin typeface="Cambria Math" panose="02040503050406030204" pitchFamily="18" charset="0"/>
+                                  </a:rPr>
+                                </m:ctrlPr>
+                              </m:sSupPr>
+                              <m:e>
+                                <m:r>
+                                  <m:rPr>
+                                    <m:sty m:val="p"/>
+                                  </m:rPr>
+                                  <a:rPr lang="en-US" b="0" i="0" smtClean="0">
+                                    <a:latin typeface="Cambria Math" panose="02040503050406030204" pitchFamily="18" charset="0"/>
+                                  </a:rPr>
+                                  <m:t>x</m:t>
+                                </m:r>
+                              </m:e>
+                              <m:sup>
+                                <m:r>
+                                  <a:rPr lang="en-US" b="0" i="0" smtClean="0">
+                                    <a:latin typeface="Cambria Math" panose="02040503050406030204" pitchFamily="18" charset="0"/>
+                                  </a:rPr>
+                                  <m:t>′</m:t>
+                                </m:r>
+                              </m:sup>
+                            </m:sSup>
+                            <m:r>
+                              <a:rPr lang="en-US" b="0" i="1" smtClean="0">
+                                <a:latin typeface="Cambria Math" panose="02040503050406030204" pitchFamily="18" charset="0"/>
+                              </a:rPr>
+                              <m:t>∈</m:t>
+                            </m:r>
+                            <m:sSub>
+                              <m:sSubPr>
+                                <m:ctrlPr>
+                                  <a:rPr lang="en-US" b="0" i="1" smtClean="0">
+                                    <a:latin typeface="Cambria Math" panose="02040503050406030204" pitchFamily="18" charset="0"/>
+                                  </a:rPr>
+                                </m:ctrlPr>
+                              </m:sSubPr>
+                              <m:e>
+                                <m:r>
+                                  <a:rPr lang="en-US" b="0" i="1" smtClean="0">
+                                    <a:latin typeface="Cambria Math" panose="02040503050406030204" pitchFamily="18" charset="0"/>
+                                  </a:rPr>
+                                  <m:t>𝑃</m:t>
+                                </m:r>
+                              </m:e>
+                              <m:sub>
+                                <m:r>
+                                  <a:rPr lang="en-US" b="0" i="1" smtClean="0">
+                                    <a:latin typeface="Cambria Math" panose="02040503050406030204" pitchFamily="18" charset="0"/>
+                                  </a:rPr>
+                                  <m:t>𝑥</m:t>
+                                </m:r>
+                              </m:sub>
+                            </m:sSub>
+                          </m:sub>
+                        </m:sSub>
+                      </m:fName>
+                      <m:e>
+                        <m:r>
+                          <a:rPr lang="en-US" i="1">
+                            <a:latin typeface="Cambria Math" panose="02040503050406030204" pitchFamily="18" charset="0"/>
+                          </a:rPr>
+                          <m:t>𝐿</m:t>
+                        </m:r>
+                        <m:d>
+                          <m:dPr>
+                            <m:ctrlPr>
+                              <a:rPr lang="en-US" i="1">
+                                <a:latin typeface="Cambria Math" panose="02040503050406030204" pitchFamily="18" charset="0"/>
+                              </a:rPr>
+                            </m:ctrlPr>
+                          </m:dPr>
+                          <m:e>
+                            <m:r>
+                              <a:rPr lang="en-US" i="1">
+                                <a:latin typeface="Cambria Math" panose="02040503050406030204" pitchFamily="18" charset="0"/>
+                              </a:rPr>
+                              <m:t>𝜃</m:t>
+                            </m:r>
+                            <m:r>
+                              <a:rPr lang="en-US" i="1">
+                                <a:latin typeface="Cambria Math" panose="02040503050406030204" pitchFamily="18" charset="0"/>
+                              </a:rPr>
+                              <m:t>,</m:t>
+                            </m:r>
+                            <m:r>
+                              <a:rPr lang="en-US" i="1">
+                                <a:latin typeface="Cambria Math" panose="02040503050406030204" pitchFamily="18" charset="0"/>
+                              </a:rPr>
+                              <m:t>𝑥</m:t>
+                            </m:r>
+                            <m:r>
+                              <a:rPr lang="en-US" b="0" i="1" smtClean="0">
+                                <a:latin typeface="Cambria Math" panose="02040503050406030204" pitchFamily="18" charset="0"/>
+                              </a:rPr>
+                              <m:t>′</m:t>
+                            </m:r>
+                            <m:r>
+                              <a:rPr lang="en-US" i="1">
+                                <a:latin typeface="Cambria Math" panose="02040503050406030204" pitchFamily="18" charset="0"/>
+                              </a:rPr>
+                              <m:t>,</m:t>
+                            </m:r>
+                            <m:r>
+                              <a:rPr lang="en-US" i="1">
+                                <a:latin typeface="Cambria Math" panose="02040503050406030204" pitchFamily="18" charset="0"/>
+                              </a:rPr>
+                              <m:t>𝑦</m:t>
+                            </m:r>
+                          </m:e>
+                        </m:d>
+                      </m:e>
+                    </m:func>
+                  </m:oMath>
+                </a14:m>
+                <a:endParaRPr lang="en-US" dirty="0"/>
+              </a:p>
+              <a:p>
+                <a:r>
+                  <a:rPr lang="en-US" dirty="0"/>
+                  <a:t>where </a:t>
+                </a:r>
+                <a14:m>
+                  <m:oMath xmlns:m="http://schemas.openxmlformats.org/officeDocument/2006/math">
+                    <m:sSub>
+                      <m:sSubPr>
+                        <m:ctrlPr>
+                          <a:rPr lang="en-US" b="0" i="1" smtClean="0">
+                            <a:latin typeface="Cambria Math" panose="02040503050406030204" pitchFamily="18" charset="0"/>
+                          </a:rPr>
+                        </m:ctrlPr>
+                      </m:sSubPr>
+                      <m:e>
+                        <m:r>
+                          <a:rPr lang="en-US" b="0" i="1" smtClean="0">
+                            <a:latin typeface="Cambria Math" panose="02040503050406030204" pitchFamily="18" charset="0"/>
+                          </a:rPr>
+                          <m:t>𝑃</m:t>
+                        </m:r>
+                      </m:e>
+                      <m:sub>
+                        <m:r>
+                          <a:rPr lang="en-US" b="0" i="1" smtClean="0">
+                            <a:latin typeface="Cambria Math" panose="02040503050406030204" pitchFamily="18" charset="0"/>
+                          </a:rPr>
+                          <m:t>𝑥</m:t>
+                        </m:r>
+                      </m:sub>
+                    </m:sSub>
+                    <m:r>
+                      <a:rPr lang="en-US" b="0" i="1" smtClean="0">
+                        <a:latin typeface="Cambria Math" panose="02040503050406030204" pitchFamily="18" charset="0"/>
+                      </a:rPr>
+                      <m:t>={</m:t>
+                    </m:r>
+                    <m:sSup>
+                      <m:sSupPr>
+                        <m:ctrlPr>
+                          <a:rPr lang="en-US" b="0" i="1" smtClean="0">
+                            <a:latin typeface="Cambria Math" panose="02040503050406030204" pitchFamily="18" charset="0"/>
+                          </a:rPr>
+                        </m:ctrlPr>
+                      </m:sSupPr>
+                      <m:e>
+                        <m:r>
+                          <a:rPr lang="en-US" b="0" i="1" smtClean="0">
+                            <a:latin typeface="Cambria Math" panose="02040503050406030204" pitchFamily="18" charset="0"/>
+                          </a:rPr>
+                          <m:t>𝑥</m:t>
+                        </m:r>
+                      </m:e>
+                      <m:sup>
+                        <m:r>
+                          <a:rPr lang="en-US" b="0" i="1" smtClean="0">
+                            <a:latin typeface="Cambria Math" panose="02040503050406030204" pitchFamily="18" charset="0"/>
+                          </a:rPr>
+                          <m:t>′</m:t>
+                        </m:r>
+                      </m:sup>
+                    </m:sSup>
+                    <m:r>
+                      <a:rPr lang="en-US" b="0" i="1" smtClean="0">
+                        <a:latin typeface="Cambria Math" panose="02040503050406030204" pitchFamily="18" charset="0"/>
+                      </a:rPr>
+                      <m:t>|</m:t>
+                    </m:r>
+                    <m:sSub>
+                      <m:sSubPr>
+                        <m:ctrlPr>
+                          <a:rPr lang="en-US" b="0" i="1" smtClean="0">
+                            <a:latin typeface="Cambria Math" panose="02040503050406030204" pitchFamily="18" charset="0"/>
+                          </a:rPr>
+                        </m:ctrlPr>
+                      </m:sSubPr>
+                      <m:e>
+                        <m:d>
+                          <m:dPr>
+                            <m:begChr m:val="‖"/>
+                            <m:endChr m:val="‖"/>
+                            <m:ctrlPr>
+                              <a:rPr lang="en-US" b="0" i="1" smtClean="0">
+                                <a:latin typeface="Cambria Math" panose="02040503050406030204" pitchFamily="18" charset="0"/>
+                              </a:rPr>
+                            </m:ctrlPr>
+                          </m:dPr>
+                          <m:e>
+                            <m:sSup>
+                              <m:sSupPr>
+                                <m:ctrlPr>
+                                  <a:rPr lang="en-US" b="0" i="1" smtClean="0">
+                                    <a:latin typeface="Cambria Math" panose="02040503050406030204" pitchFamily="18" charset="0"/>
+                                  </a:rPr>
+                                </m:ctrlPr>
+                              </m:sSupPr>
+                              <m:e>
+                                <m:r>
+                                  <a:rPr lang="en-US" b="0" i="1" smtClean="0">
+                                    <a:latin typeface="Cambria Math" panose="02040503050406030204" pitchFamily="18" charset="0"/>
+                                  </a:rPr>
+                                  <m:t>𝑥</m:t>
+                                </m:r>
+                              </m:e>
+                              <m:sup>
+                                <m:r>
+                                  <a:rPr lang="en-US" b="0" i="1" smtClean="0">
+                                    <a:latin typeface="Cambria Math" panose="02040503050406030204" pitchFamily="18" charset="0"/>
+                                  </a:rPr>
+                                  <m:t>′</m:t>
+                                </m:r>
+                              </m:sup>
+                            </m:sSup>
+                            <m:r>
+                              <a:rPr lang="en-US" b="0" i="1" smtClean="0">
+                                <a:latin typeface="Cambria Math" panose="02040503050406030204" pitchFamily="18" charset="0"/>
+                              </a:rPr>
+                              <m:t>−</m:t>
+                            </m:r>
+                            <m:r>
+                              <a:rPr lang="en-US" b="0" i="1" smtClean="0">
+                                <a:latin typeface="Cambria Math" panose="02040503050406030204" pitchFamily="18" charset="0"/>
+                              </a:rPr>
+                              <m:t>𝑥</m:t>
+                            </m:r>
+                          </m:e>
+                        </m:d>
+                      </m:e>
+                      <m:sub>
+                        <m:r>
+                          <a:rPr lang="en-US" b="0" i="1" smtClean="0">
+                            <a:latin typeface="Cambria Math" panose="02040503050406030204" pitchFamily="18" charset="0"/>
+                          </a:rPr>
+                          <m:t>∞</m:t>
+                        </m:r>
+                      </m:sub>
+                    </m:sSub>
+                    <m:r>
+                      <a:rPr lang="en-US" b="0" i="1" smtClean="0">
+                        <a:latin typeface="Cambria Math" panose="02040503050406030204" pitchFamily="18" charset="0"/>
+                      </a:rPr>
+                      <m:t>≤</m:t>
+                    </m:r>
+                    <m:r>
+                      <a:rPr lang="en-US" b="0" i="1" smtClean="0">
+                        <a:latin typeface="Cambria Math" panose="02040503050406030204" pitchFamily="18" charset="0"/>
+                      </a:rPr>
+                      <m:t>𝜖</m:t>
+                    </m:r>
+                    <m:r>
+                      <a:rPr lang="en-US" b="0" i="1" smtClean="0">
+                        <a:latin typeface="Cambria Math" panose="02040503050406030204" pitchFamily="18" charset="0"/>
+                      </a:rPr>
+                      <m:t>}</m:t>
+                    </m:r>
+                  </m:oMath>
+                </a14:m>
+                <a:r>
+                  <a:rPr lang="en-US" dirty="0"/>
+                  <a:t> (the L-infinity ball around input </a:t>
+                </a:r>
+                <a14:m>
+                  <m:oMath xmlns:m="http://schemas.openxmlformats.org/officeDocument/2006/math">
+                    <m:r>
+                      <a:rPr lang="en-US" b="0" i="1" smtClean="0">
+                        <a:latin typeface="Cambria Math" panose="02040503050406030204" pitchFamily="18" charset="0"/>
+                      </a:rPr>
+                      <m:t>𝑥</m:t>
+                    </m:r>
+                  </m:oMath>
+                </a14:m>
+                <a:r>
+                  <a:rPr lang="en-US" dirty="0"/>
+                  <a:t>)</a:t>
+                </a:r>
+              </a:p>
+              <a:p>
+                <a14:m>
+                  <m:oMath xmlns:m="http://schemas.openxmlformats.org/officeDocument/2006/math">
+                    <m:sSub>
+                      <m:sSubPr>
+                        <m:ctrlPr>
+                          <a:rPr lang="en-US" b="0" i="1" smtClean="0">
+                            <a:latin typeface="Cambria Math" panose="02040503050406030204" pitchFamily="18" charset="0"/>
+                          </a:rPr>
+                        </m:ctrlPr>
+                      </m:sSubPr>
+                      <m:e>
+                        <m:r>
+                          <a:rPr lang="en-US" b="0" i="1" smtClean="0">
+                            <a:latin typeface="Cambria Math" panose="02040503050406030204" pitchFamily="18" charset="0"/>
+                          </a:rPr>
+                          <m:t>𝑥</m:t>
+                        </m:r>
+                      </m:e>
+                      <m:sub>
+                        <m:r>
+                          <a:rPr lang="en-US" i="1">
+                            <a:latin typeface="Cambria Math" panose="02040503050406030204" pitchFamily="18" charset="0"/>
+                          </a:rPr>
+                          <m:t>𝑡</m:t>
+                        </m:r>
+                        <m:r>
+                          <a:rPr lang="en-US" i="1">
+                            <a:latin typeface="Cambria Math" panose="02040503050406030204" pitchFamily="18" charset="0"/>
+                          </a:rPr>
+                          <m:t>+1</m:t>
+                        </m:r>
+                      </m:sub>
+                    </m:sSub>
+                    <m:r>
+                      <a:rPr lang="en-US" b="0" i="1" smtClean="0">
+                        <a:latin typeface="Cambria Math" panose="02040503050406030204" pitchFamily="18" charset="0"/>
+                      </a:rPr>
+                      <m:t>=</m:t>
+                    </m:r>
+                    <m:r>
+                      <m:rPr>
+                        <m:sty m:val="p"/>
+                      </m:rPr>
+                      <a:rPr lang="en-US" b="0" i="0" smtClean="0">
+                        <a:latin typeface="Cambria Math" panose="02040503050406030204" pitchFamily="18" charset="0"/>
+                      </a:rPr>
+                      <m:t>Π</m:t>
+                    </m:r>
+                    <m:r>
+                      <a:rPr lang="en-US" b="0" i="1" smtClean="0">
+                        <a:latin typeface="Cambria Math" panose="02040503050406030204" pitchFamily="18" charset="0"/>
+                      </a:rPr>
+                      <m:t>(</m:t>
+                    </m:r>
+                    <m:sSub>
+                      <m:sSubPr>
+                        <m:ctrlPr>
+                          <a:rPr lang="en-US" b="0" i="1" smtClean="0">
+                            <a:latin typeface="Cambria Math" panose="02040503050406030204" pitchFamily="18" charset="0"/>
+                          </a:rPr>
+                        </m:ctrlPr>
+                      </m:sSubPr>
+                      <m:e>
+                        <m:r>
+                          <a:rPr lang="en-US" b="0" i="1" smtClean="0">
+                            <a:latin typeface="Cambria Math" panose="02040503050406030204" pitchFamily="18" charset="0"/>
+                          </a:rPr>
+                          <m:t>𝑥</m:t>
+                        </m:r>
+                      </m:e>
+                      <m:sub>
+                        <m:r>
+                          <a:rPr lang="en-US" b="0" i="1" smtClean="0">
+                            <a:latin typeface="Cambria Math" panose="02040503050406030204" pitchFamily="18" charset="0"/>
+                          </a:rPr>
+                          <m:t>𝑡</m:t>
+                        </m:r>
+                      </m:sub>
+                    </m:sSub>
+                    <m:r>
+                      <a:rPr lang="en-US" b="0" i="1" smtClean="0">
+                        <a:latin typeface="Cambria Math" panose="02040503050406030204" pitchFamily="18" charset="0"/>
+                      </a:rPr>
+                      <m:t>+</m:t>
+                    </m:r>
+                    <m:r>
+                      <a:rPr lang="en-US" b="0" i="1" smtClean="0">
+                        <a:latin typeface="Cambria Math" panose="02040503050406030204" pitchFamily="18" charset="0"/>
+                      </a:rPr>
+                      <m:t>𝜂</m:t>
+                    </m:r>
+                    <m:sSub>
+                      <m:sSubPr>
+                        <m:ctrlPr>
+                          <a:rPr lang="en-US" b="0" i="1" smtClean="0">
+                            <a:latin typeface="Cambria Math" panose="02040503050406030204" pitchFamily="18" charset="0"/>
+                          </a:rPr>
+                        </m:ctrlPr>
+                      </m:sSubPr>
+                      <m:e>
+                        <m:r>
+                          <m:rPr>
+                            <m:sty m:val="p"/>
+                          </m:rPr>
+                          <a:rPr lang="en-US" b="0" i="0" smtClean="0">
+                            <a:latin typeface="Cambria Math" panose="02040503050406030204" pitchFamily="18" charset="0"/>
+                          </a:rPr>
+                          <m:t>∇</m:t>
+                        </m:r>
+                      </m:e>
+                      <m:sub>
+                        <m:r>
+                          <a:rPr lang="en-US" b="0" i="1" smtClean="0">
+                            <a:latin typeface="Cambria Math" panose="02040503050406030204" pitchFamily="18" charset="0"/>
+                          </a:rPr>
+                          <m:t>𝑥</m:t>
+                        </m:r>
+                      </m:sub>
+                    </m:sSub>
+                    <m:r>
+                      <a:rPr lang="en-US" i="1">
+                        <a:latin typeface="Cambria Math" panose="02040503050406030204" pitchFamily="18" charset="0"/>
+                      </a:rPr>
+                      <m:t>𝐿</m:t>
+                    </m:r>
+                    <m:d>
+                      <m:dPr>
+                        <m:ctrlPr>
+                          <a:rPr lang="en-US" i="1">
+                            <a:latin typeface="Cambria Math" panose="02040503050406030204" pitchFamily="18" charset="0"/>
+                          </a:rPr>
+                        </m:ctrlPr>
+                      </m:dPr>
+                      <m:e>
+                        <m:r>
+                          <a:rPr lang="en-US" i="1">
+                            <a:latin typeface="Cambria Math" panose="02040503050406030204" pitchFamily="18" charset="0"/>
+                          </a:rPr>
+                          <m:t>𝜃</m:t>
+                        </m:r>
+                        <m:r>
+                          <a:rPr lang="en-US" i="1">
+                            <a:latin typeface="Cambria Math" panose="02040503050406030204" pitchFamily="18" charset="0"/>
+                          </a:rPr>
+                          <m:t>,</m:t>
+                        </m:r>
+                        <m:sSub>
+                          <m:sSubPr>
+                            <m:ctrlPr>
+                              <a:rPr lang="en-US" b="0" i="1" smtClean="0">
+                                <a:latin typeface="Cambria Math" panose="02040503050406030204" pitchFamily="18" charset="0"/>
+                              </a:rPr>
+                            </m:ctrlPr>
+                          </m:sSubPr>
+                          <m:e>
+                            <m:r>
+                              <a:rPr lang="en-US" b="0" i="1" smtClean="0">
+                                <a:latin typeface="Cambria Math" panose="02040503050406030204" pitchFamily="18" charset="0"/>
+                              </a:rPr>
+                              <m:t>𝑥</m:t>
+                            </m:r>
+                          </m:e>
+                          <m:sub>
+                            <m:r>
+                              <a:rPr lang="en-US" b="0" i="1" smtClean="0">
+                                <a:latin typeface="Cambria Math" panose="02040503050406030204" pitchFamily="18" charset="0"/>
+                              </a:rPr>
+                              <m:t>𝑡</m:t>
+                            </m:r>
+                          </m:sub>
+                        </m:sSub>
+                        <m:r>
+                          <a:rPr lang="en-US" i="1">
+                            <a:latin typeface="Cambria Math" panose="02040503050406030204" pitchFamily="18" charset="0"/>
+                          </a:rPr>
+                          <m:t>,</m:t>
+                        </m:r>
+                        <m:r>
+                          <a:rPr lang="en-US" i="1">
+                            <a:latin typeface="Cambria Math" panose="02040503050406030204" pitchFamily="18" charset="0"/>
+                          </a:rPr>
+                          <m:t>𝑦</m:t>
+                        </m:r>
+                      </m:e>
+                    </m:d>
+                    <m:r>
+                      <a:rPr lang="en-US" b="0" i="1" smtClean="0">
+                        <a:latin typeface="Cambria Math" panose="02040503050406030204" pitchFamily="18" charset="0"/>
+                      </a:rPr>
+                      <m:t>)</m:t>
+                    </m:r>
+                  </m:oMath>
+                </a14:m>
+                <a:endParaRPr lang="en-US" dirty="0"/>
+              </a:p>
+              <a:p>
+                <a:r>
+                  <a:rPr lang="en-US" dirty="0"/>
+                  <a:t>where </a:t>
+                </a:r>
+                <a14:m>
+                  <m:oMath xmlns:m="http://schemas.openxmlformats.org/officeDocument/2006/math">
+                    <m:r>
+                      <m:rPr>
+                        <m:sty m:val="p"/>
+                      </m:rPr>
+                      <a:rPr lang="en-US" b="0" i="0" smtClean="0">
+                        <a:latin typeface="Cambria Math" panose="02040503050406030204" pitchFamily="18" charset="0"/>
+                      </a:rPr>
+                      <m:t>Π</m:t>
+                    </m:r>
+                    <m:d>
+                      <m:dPr>
+                        <m:ctrlPr>
+                          <a:rPr lang="en-US" b="0" i="0" smtClean="0">
+                            <a:latin typeface="Cambria Math" panose="02040503050406030204" pitchFamily="18" charset="0"/>
+                          </a:rPr>
+                        </m:ctrlPr>
+                      </m:dPr>
+                      <m:e>
+                        <m:r>
+                          <m:rPr>
+                            <m:sty m:val="p"/>
+                          </m:rPr>
+                          <a:rPr lang="en-US" b="0" i="0" smtClean="0">
+                            <a:latin typeface="Cambria Math" panose="02040503050406030204" pitchFamily="18" charset="0"/>
+                          </a:rPr>
+                          <m:t>z</m:t>
+                        </m:r>
+                      </m:e>
+                    </m:d>
+                    <m:r>
+                      <a:rPr lang="en-US" b="0" i="0" smtClean="0">
+                        <a:latin typeface="Cambria Math" panose="02040503050406030204" pitchFamily="18" charset="0"/>
+                      </a:rPr>
+                      <m:t>=</m:t>
+                    </m:r>
+                    <m:r>
+                      <m:rPr>
+                        <m:sty m:val="p"/>
+                      </m:rPr>
+                      <a:rPr lang="en-US" b="0" i="0" smtClean="0">
+                        <a:latin typeface="Cambria Math" panose="02040503050406030204" pitchFamily="18" charset="0"/>
+                      </a:rPr>
+                      <m:t>argmin</m:t>
+                    </m:r>
+                    <m:r>
+                      <a:rPr lang="en-US" b="0" i="0" smtClean="0">
+                        <a:latin typeface="Cambria Math" panose="02040503050406030204" pitchFamily="18" charset="0"/>
+                      </a:rPr>
+                      <m:t> </m:t>
+                    </m:r>
+                  </m:oMath>
+                </a14:m>
+                <a:endParaRPr lang="en-SE" dirty="0"/>
+              </a:p>
+            </p:txBody>
+          </p:sp>
+        </mc:Choice>
+        <mc:Fallback>
+          <p:sp>
+            <p:nvSpPr>
+              <p:cNvPr id="3" name="Content Placeholder 2">
+                <a:extLst>
+                  <a:ext uri="{FF2B5EF4-FFF2-40B4-BE49-F238E27FC236}">
+                    <a16:creationId xmlns:a16="http://schemas.microsoft.com/office/drawing/2014/main" id="{BDAE9B25-1E4A-468F-A53E-AAFD63F1414C}"/>
+                  </a:ext>
+                </a:extLst>
+              </p:cNvPr>
+              <p:cNvSpPr>
+                <a:spLocks noGrp="1" noRot="1" noChangeAspect="1" noMove="1" noResize="1" noEditPoints="1" noAdjustHandles="1" noChangeArrowheads="1" noChangeShapeType="1" noTextEdit="1"/>
+              </p:cNvSpPr>
+              <p:nvPr>
+                <p:ph idx="1"/>
+              </p:nvPr>
+            </p:nvSpPr>
+            <p:spPr>
+              <a:blipFill>
+                <a:blip r:embed="rId2"/>
+                <a:stretch>
+                  <a:fillRect l="-1704" t="-1673"/>
+                </a:stretch>
+              </a:blipFill>
+            </p:spPr>
+            <p:txBody>
+              <a:bodyPr/>
+              <a:lstStyle/>
+              <a:p>
+                <a:r>
+                  <a:rPr lang="en-SE">
+                    <a:noFill/>
+                  </a:rPr>
+                  <a:t> </a:t>
+                </a:r>
+              </a:p>
+            </p:txBody>
+          </p:sp>
+        </mc:Fallback>
+      </mc:AlternateContent>
       <p:sp>
         <p:nvSpPr>
           <p:cNvPr id="4" name="Slide Number Placeholder 3">
@@ -3762,7 +6957,7 @@
               <a:pPr>
                 <a:defRPr/>
               </a:pPr>
-              <a:t>3</a:t>
+              <a:t>7</a:t>
             </a:fld>
             <a:endParaRPr lang="en-US" altLang="zh-CN"/>
           </a:p>
@@ -3770,10 +6965,10 @@
       </p:sp>
       <p:pic>
         <p:nvPicPr>
-          <p:cNvPr id="6" name="Picture 5">
+          <p:cNvPr id="9" name="Picture 8">
             <a:extLst>
               <a:ext uri="{FF2B5EF4-FFF2-40B4-BE49-F238E27FC236}">
-                <a16:creationId xmlns:a16="http://schemas.microsoft.com/office/drawing/2014/main" id="{5E21B9C9-6FAC-4DAC-A77C-A57C5BDD3F29}"/>
+                <a16:creationId xmlns:a16="http://schemas.microsoft.com/office/drawing/2014/main" id="{BA1F31AE-DFB0-48DE-A5FC-4D7D3057E106}"/>
               </a:ext>
             </a:extLst>
           </p:cNvPr>
@@ -3783,15 +6978,15 @@
           <p:nvPr/>
         </p:nvPicPr>
         <p:blipFill>
-          <a:blip r:embed="rId2"/>
+          <a:blip r:embed="rId3"/>
           <a:stretch>
             <a:fillRect/>
           </a:stretch>
         </p:blipFill>
         <p:spPr>
           <a:xfrm>
-            <a:off x="1187624" y="1106400"/>
-            <a:ext cx="7025336" cy="5359017"/>
+            <a:off x="6372200" y="1556792"/>
+            <a:ext cx="4379680" cy="5489848"/>
           </a:xfrm>
           <a:prstGeom prst="rect">
             <a:avLst/>
@@ -3802,6 +6997,704 @@
     <p:extLst>
       <p:ext uri="{BB962C8B-B14F-4D97-AF65-F5344CB8AC3E}">
         <p14:creationId xmlns:p14="http://schemas.microsoft.com/office/powerpoint/2010/main" val="2975614527"/>
+      </p:ext>
+    </p:extLst>
+  </p:cSld>
+  <p:clrMapOvr>
+    <a:masterClrMapping/>
+  </p:clrMapOvr>
+</p:sld>
+</file>
+
+<file path=ppt/slides/slide8.xml><?xml version="1.0" encoding="utf-8"?>
+<p:sld xmlns:a="http://schemas.openxmlformats.org/drawingml/2006/main" xmlns:r="http://schemas.openxmlformats.org/officeDocument/2006/relationships" xmlns:p="http://schemas.openxmlformats.org/presentationml/2006/main">
+  <p:cSld>
+    <p:spTree>
+      <p:nvGrpSpPr>
+        <p:cNvPr id="1" name=""/>
+        <p:cNvGrpSpPr/>
+        <p:nvPr/>
+      </p:nvGrpSpPr>
+      <p:grpSpPr>
+        <a:xfrm>
+          <a:off x="0" y="0"/>
+          <a:ext cx="0" cy="0"/>
+          <a:chOff x="0" y="0"/>
+          <a:chExt cx="0" cy="0"/>
+        </a:xfrm>
+      </p:grpSpPr>
+      <p:sp>
+        <p:nvSpPr>
+          <p:cNvPr id="2" name="Title 1">
+            <a:extLst>
+              <a:ext uri="{FF2B5EF4-FFF2-40B4-BE49-F238E27FC236}">
+                <a16:creationId xmlns:a16="http://schemas.microsoft.com/office/drawing/2014/main" id="{795789CB-5C89-40ED-8C8A-8FE7D33E4666}"/>
+              </a:ext>
+            </a:extLst>
+          </p:cNvPr>
+          <p:cNvSpPr>
+            <a:spLocks noGrp="1"/>
+          </p:cNvSpPr>
+          <p:nvPr>
+            <p:ph type="title"/>
+          </p:nvPr>
+        </p:nvSpPr>
+        <p:spPr/>
+        <p:txBody>
+          <a:bodyPr/>
+          <a:lstStyle/>
+          <a:p>
+            <a:r>
+              <a:rPr lang="en-US" dirty="0"/>
+              <a:t>Fast Gradient Sign Method (FGSM)</a:t>
+            </a:r>
+            <a:endParaRPr lang="en-SE" dirty="0"/>
+          </a:p>
+        </p:txBody>
+      </p:sp>
+      <mc:AlternateContent xmlns:mc="http://schemas.openxmlformats.org/markup-compatibility/2006">
+        <mc:Choice xmlns:a14="http://schemas.microsoft.com/office/drawing/2010/main" Requires="a14">
+          <p:sp>
+            <p:nvSpPr>
+              <p:cNvPr id="3" name="Content Placeholder 2">
+                <a:extLst>
+                  <a:ext uri="{FF2B5EF4-FFF2-40B4-BE49-F238E27FC236}">
+                    <a16:creationId xmlns:a16="http://schemas.microsoft.com/office/drawing/2014/main" id="{09FF4388-28EA-47AC-BA6A-AE00DC2F0220}"/>
+                  </a:ext>
+                </a:extLst>
+              </p:cNvPr>
+              <p:cNvSpPr>
+                <a:spLocks noGrp="1"/>
+              </p:cNvSpPr>
+              <p:nvPr>
+                <p:ph idx="1"/>
+              </p:nvPr>
+            </p:nvSpPr>
+            <p:spPr/>
+            <p:txBody>
+              <a:bodyPr/>
+              <a:lstStyle/>
+              <a:p>
+                <a:r>
+                  <a:rPr lang="en-US" dirty="0"/>
+                  <a:t>Untargeted attack: </a:t>
+                </a:r>
+              </a:p>
+              <a:p>
+                <a:pPr lvl="1"/>
+                <a:r>
+                  <a:rPr lang="en-US" dirty="0"/>
+                  <a:t>Maximize </a:t>
+                </a:r>
+                <a14:m>
+                  <m:oMath xmlns:m="http://schemas.openxmlformats.org/officeDocument/2006/math">
+                    <m:r>
+                      <m:rPr>
+                        <m:sty m:val="p"/>
+                      </m:rPr>
+                      <a:rPr lang="en-US" i="1" smtClean="0">
+                        <a:latin typeface="Cambria Math" panose="02040503050406030204" pitchFamily="18" charset="0"/>
+                      </a:rPr>
+                      <m:t>J</m:t>
+                    </m:r>
+                    <m:d>
+                      <m:dPr>
+                        <m:ctrlPr>
+                          <a:rPr lang="en-US" i="1">
+                            <a:latin typeface="Cambria Math" panose="02040503050406030204" pitchFamily="18" charset="0"/>
+                          </a:rPr>
+                        </m:ctrlPr>
+                      </m:dPr>
+                      <m:e>
+                        <m:r>
+                          <a:rPr lang="en-US" i="1">
+                            <a:latin typeface="Cambria Math" panose="02040503050406030204" pitchFamily="18" charset="0"/>
+                          </a:rPr>
+                          <m:t>𝜃</m:t>
+                        </m:r>
+                        <m:r>
+                          <a:rPr lang="en-US" i="1">
+                            <a:latin typeface="Cambria Math" panose="02040503050406030204" pitchFamily="18" charset="0"/>
+                          </a:rPr>
+                          <m:t>,</m:t>
+                        </m:r>
+                        <m:r>
+                          <a:rPr lang="en-US" i="1">
+                            <a:latin typeface="Cambria Math" panose="02040503050406030204" pitchFamily="18" charset="0"/>
+                          </a:rPr>
+                          <m:t>𝑥</m:t>
+                        </m:r>
+                        <m:r>
+                          <a:rPr lang="en-US" b="0" i="1" smtClean="0">
+                            <a:latin typeface="Cambria Math" panose="02040503050406030204" pitchFamily="18" charset="0"/>
+                          </a:rPr>
+                          <m:t>′</m:t>
+                        </m:r>
+                        <m:r>
+                          <a:rPr lang="en-US" i="1">
+                            <a:latin typeface="Cambria Math" panose="02040503050406030204" pitchFamily="18" charset="0"/>
+                          </a:rPr>
+                          <m:t>,</m:t>
+                        </m:r>
+                        <m:r>
+                          <a:rPr lang="en-US" i="1">
+                            <a:latin typeface="Cambria Math" panose="02040503050406030204" pitchFamily="18" charset="0"/>
+                          </a:rPr>
+                          <m:t>𝑦</m:t>
+                        </m:r>
+                      </m:e>
+                    </m:d>
+                    <m:r>
+                      <a:rPr lang="en-US" b="0" i="1" smtClean="0">
+                        <a:latin typeface="Cambria Math" panose="02040503050406030204" pitchFamily="18" charset="0"/>
+                      </a:rPr>
+                      <m:t>≈</m:t>
+                    </m:r>
+                    <m:r>
+                      <m:rPr>
+                        <m:sty m:val="p"/>
+                      </m:rPr>
+                      <a:rPr lang="en-US" i="1">
+                        <a:latin typeface="Cambria Math" panose="02040503050406030204" pitchFamily="18" charset="0"/>
+                      </a:rPr>
+                      <m:t>J</m:t>
+                    </m:r>
+                    <m:d>
+                      <m:dPr>
+                        <m:ctrlPr>
+                          <a:rPr lang="en-US" i="1">
+                            <a:latin typeface="Cambria Math" panose="02040503050406030204" pitchFamily="18" charset="0"/>
+                          </a:rPr>
+                        </m:ctrlPr>
+                      </m:dPr>
+                      <m:e>
+                        <m:r>
+                          <a:rPr lang="en-US" i="1">
+                            <a:latin typeface="Cambria Math" panose="02040503050406030204" pitchFamily="18" charset="0"/>
+                          </a:rPr>
+                          <m:t>𝜃</m:t>
+                        </m:r>
+                        <m:r>
+                          <a:rPr lang="en-US" i="1">
+                            <a:latin typeface="Cambria Math" panose="02040503050406030204" pitchFamily="18" charset="0"/>
+                          </a:rPr>
+                          <m:t>,</m:t>
+                        </m:r>
+                        <m:r>
+                          <a:rPr lang="en-US" b="0" i="1" smtClean="0">
+                            <a:latin typeface="Cambria Math" panose="02040503050406030204" pitchFamily="18" charset="0"/>
+                          </a:rPr>
+                          <m:t>𝑥</m:t>
+                        </m:r>
+                        <m:r>
+                          <a:rPr lang="en-US" i="1">
+                            <a:latin typeface="Cambria Math" panose="02040503050406030204" pitchFamily="18" charset="0"/>
+                          </a:rPr>
+                          <m:t>,</m:t>
+                        </m:r>
+                        <m:r>
+                          <a:rPr lang="en-US" i="1">
+                            <a:latin typeface="Cambria Math" panose="02040503050406030204" pitchFamily="18" charset="0"/>
+                          </a:rPr>
+                          <m:t>𝑦</m:t>
+                        </m:r>
+                      </m:e>
+                    </m:d>
+                    <m:r>
+                      <a:rPr lang="en-US" b="0" i="1" smtClean="0">
+                        <a:latin typeface="Cambria Math" panose="02040503050406030204" pitchFamily="18" charset="0"/>
+                      </a:rPr>
+                      <m:t>+</m:t>
+                    </m:r>
+                    <m:d>
+                      <m:dPr>
+                        <m:ctrlPr>
+                          <a:rPr lang="en-US" b="0" i="1" smtClean="0">
+                            <a:latin typeface="Cambria Math" panose="02040503050406030204" pitchFamily="18" charset="0"/>
+                          </a:rPr>
+                        </m:ctrlPr>
+                      </m:dPr>
+                      <m:e>
+                        <m:sSup>
+                          <m:sSupPr>
+                            <m:ctrlPr>
+                              <a:rPr lang="en-US" b="0" i="1" smtClean="0">
+                                <a:latin typeface="Cambria Math" panose="02040503050406030204" pitchFamily="18" charset="0"/>
+                              </a:rPr>
+                            </m:ctrlPr>
+                          </m:sSupPr>
+                          <m:e>
+                            <m:r>
+                              <a:rPr lang="en-US" b="0" i="1" smtClean="0">
+                                <a:latin typeface="Cambria Math" panose="02040503050406030204" pitchFamily="18" charset="0"/>
+                              </a:rPr>
+                              <m:t>𝑥</m:t>
+                            </m:r>
+                          </m:e>
+                          <m:sup>
+                            <m:r>
+                              <a:rPr lang="en-US" b="0" i="1" smtClean="0">
+                                <a:latin typeface="Cambria Math" panose="02040503050406030204" pitchFamily="18" charset="0"/>
+                              </a:rPr>
+                              <m:t>′</m:t>
+                            </m:r>
+                          </m:sup>
+                        </m:sSup>
+                        <m:r>
+                          <a:rPr lang="en-US" b="0" i="1" smtClean="0">
+                            <a:latin typeface="Cambria Math" panose="02040503050406030204" pitchFamily="18" charset="0"/>
+                          </a:rPr>
+                          <m:t>−</m:t>
+                        </m:r>
+                        <m:r>
+                          <a:rPr lang="en-US" b="0" i="1" smtClean="0">
+                            <a:latin typeface="Cambria Math" panose="02040503050406030204" pitchFamily="18" charset="0"/>
+                          </a:rPr>
+                          <m:t>𝑥</m:t>
+                        </m:r>
+                      </m:e>
+                    </m:d>
+                    <m:r>
+                      <a:rPr lang="en-US" b="0" i="1" smtClean="0">
+                        <a:latin typeface="Cambria Math" panose="02040503050406030204" pitchFamily="18" charset="0"/>
+                      </a:rPr>
+                      <m:t>⋅</m:t>
+                    </m:r>
+                    <m:sSub>
+                      <m:sSubPr>
+                        <m:ctrlPr>
+                          <a:rPr lang="en-US" i="1">
+                            <a:latin typeface="Cambria Math" panose="02040503050406030204" pitchFamily="18" charset="0"/>
+                          </a:rPr>
+                        </m:ctrlPr>
+                      </m:sSubPr>
+                      <m:e>
+                        <m:r>
+                          <m:rPr>
+                            <m:sty m:val="p"/>
+                          </m:rPr>
+                          <a:rPr lang="en-US">
+                            <a:latin typeface="Cambria Math" panose="02040503050406030204" pitchFamily="18" charset="0"/>
+                          </a:rPr>
+                          <m:t>∇</m:t>
+                        </m:r>
+                      </m:e>
+                      <m:sub>
+                        <m:r>
+                          <a:rPr lang="en-US" i="1">
+                            <a:latin typeface="Cambria Math" panose="02040503050406030204" pitchFamily="18" charset="0"/>
+                          </a:rPr>
+                          <m:t>𝑥</m:t>
+                        </m:r>
+                      </m:sub>
+                    </m:sSub>
+                    <m:r>
+                      <m:rPr>
+                        <m:sty m:val="p"/>
+                      </m:rPr>
+                      <a:rPr lang="en-US" i="1">
+                        <a:latin typeface="Cambria Math" panose="02040503050406030204" pitchFamily="18" charset="0"/>
+                      </a:rPr>
+                      <m:t>J</m:t>
+                    </m:r>
+                    <m:d>
+                      <m:dPr>
+                        <m:ctrlPr>
+                          <a:rPr lang="en-US" i="1">
+                            <a:latin typeface="Cambria Math" panose="02040503050406030204" pitchFamily="18" charset="0"/>
+                          </a:rPr>
+                        </m:ctrlPr>
+                      </m:dPr>
+                      <m:e>
+                        <m:r>
+                          <a:rPr lang="en-US" i="1">
+                            <a:latin typeface="Cambria Math" panose="02040503050406030204" pitchFamily="18" charset="0"/>
+                          </a:rPr>
+                          <m:t>𝜃</m:t>
+                        </m:r>
+                        <m:r>
+                          <a:rPr lang="en-US" i="1">
+                            <a:latin typeface="Cambria Math" panose="02040503050406030204" pitchFamily="18" charset="0"/>
+                          </a:rPr>
+                          <m:t>,</m:t>
+                        </m:r>
+                        <m:r>
+                          <a:rPr lang="en-US" i="1">
+                            <a:latin typeface="Cambria Math" panose="02040503050406030204" pitchFamily="18" charset="0"/>
+                          </a:rPr>
+                          <m:t>𝑥</m:t>
+                        </m:r>
+                        <m:r>
+                          <a:rPr lang="en-US" i="1">
+                            <a:latin typeface="Cambria Math" panose="02040503050406030204" pitchFamily="18" charset="0"/>
+                          </a:rPr>
+                          <m:t>,</m:t>
+                        </m:r>
+                        <m:r>
+                          <a:rPr lang="en-US" i="1">
+                            <a:latin typeface="Cambria Math" panose="02040503050406030204" pitchFamily="18" charset="0"/>
+                          </a:rPr>
+                          <m:t>𝑦</m:t>
+                        </m:r>
+                      </m:e>
+                    </m:d>
+                  </m:oMath>
+                </a14:m>
+                <a:r>
+                  <a:rPr lang="en-US" dirty="0"/>
+                  <a:t> (Taylor expansion) </a:t>
+                </a:r>
+              </a:p>
+              <a:p>
+                <a:pPr lvl="1"/>
+                <a:r>
+                  <a:rPr lang="en-US" dirty="0" err="1"/>
+                  <a:t>s.t.</a:t>
+                </a:r>
+                <a:r>
+                  <a:rPr lang="en-US" dirty="0"/>
+                  <a:t> </a:t>
+                </a:r>
+                <a14:m>
+                  <m:oMath xmlns:m="http://schemas.openxmlformats.org/officeDocument/2006/math">
+                    <m:sSub>
+                      <m:sSubPr>
+                        <m:ctrlPr>
+                          <a:rPr lang="en-US" b="0" i="1" smtClean="0">
+                            <a:latin typeface="Cambria Math" panose="02040503050406030204" pitchFamily="18" charset="0"/>
+                          </a:rPr>
+                        </m:ctrlPr>
+                      </m:sSubPr>
+                      <m:e>
+                        <m:d>
+                          <m:dPr>
+                            <m:begChr m:val="‖"/>
+                            <m:endChr m:val="‖"/>
+                            <m:ctrlPr>
+                              <a:rPr lang="en-US" i="1" smtClean="0">
+                                <a:latin typeface="Cambria Math" panose="02040503050406030204" pitchFamily="18" charset="0"/>
+                              </a:rPr>
+                            </m:ctrlPr>
+                          </m:dPr>
+                          <m:e>
+                            <m:sSup>
+                              <m:sSupPr>
+                                <m:ctrlPr>
+                                  <a:rPr lang="en-US" b="0" i="1" smtClean="0">
+                                    <a:latin typeface="Cambria Math" panose="02040503050406030204" pitchFamily="18" charset="0"/>
+                                  </a:rPr>
+                                </m:ctrlPr>
+                              </m:sSupPr>
+                              <m:e>
+                                <m:r>
+                                  <a:rPr lang="en-US" b="0" i="1" smtClean="0">
+                                    <a:latin typeface="Cambria Math" panose="02040503050406030204" pitchFamily="18" charset="0"/>
+                                  </a:rPr>
+                                  <m:t>𝑥</m:t>
+                                </m:r>
+                              </m:e>
+                              <m:sup>
+                                <m:r>
+                                  <a:rPr lang="en-US" b="0" i="1" smtClean="0">
+                                    <a:latin typeface="Cambria Math" panose="02040503050406030204" pitchFamily="18" charset="0"/>
+                                  </a:rPr>
+                                  <m:t>′</m:t>
+                                </m:r>
+                              </m:sup>
+                            </m:sSup>
+                            <m:r>
+                              <a:rPr lang="en-US" b="0" i="1" smtClean="0">
+                                <a:latin typeface="Cambria Math" panose="02040503050406030204" pitchFamily="18" charset="0"/>
+                              </a:rPr>
+                              <m:t>−</m:t>
+                            </m:r>
+                            <m:r>
+                              <a:rPr lang="en-US" b="0" i="1" smtClean="0">
+                                <a:latin typeface="Cambria Math" panose="02040503050406030204" pitchFamily="18" charset="0"/>
+                              </a:rPr>
+                              <m:t>𝑥</m:t>
+                            </m:r>
+                          </m:e>
+                        </m:d>
+                      </m:e>
+                      <m:sub>
+                        <m:r>
+                          <a:rPr lang="en-US" b="0" i="1" smtClean="0">
+                            <a:latin typeface="Cambria Math" panose="02040503050406030204" pitchFamily="18" charset="0"/>
+                          </a:rPr>
+                          <m:t>∞</m:t>
+                        </m:r>
+                      </m:sub>
+                    </m:sSub>
+                    <m:r>
+                      <a:rPr lang="en-US" b="0" i="1" smtClean="0">
+                        <a:latin typeface="Cambria Math" panose="02040503050406030204" pitchFamily="18" charset="0"/>
+                      </a:rPr>
+                      <m:t>≤</m:t>
+                    </m:r>
+                    <m:r>
+                      <a:rPr lang="en-US" b="0" i="1" smtClean="0">
+                        <a:latin typeface="Cambria Math" panose="02040503050406030204" pitchFamily="18" charset="0"/>
+                      </a:rPr>
+                      <m:t>𝜖</m:t>
+                    </m:r>
+                  </m:oMath>
+                </a14:m>
+                <a:r>
+                  <a:rPr lang="en-US" dirty="0"/>
+                  <a:t> </a:t>
+                </a:r>
+              </a:p>
+              <a:p>
+                <a:pPr lvl="1"/>
+                <a:r>
+                  <a:rPr lang="en-US" dirty="0"/>
+                  <a:t>Solution: </a:t>
+                </a:r>
+                <a14:m>
+                  <m:oMath xmlns:m="http://schemas.openxmlformats.org/officeDocument/2006/math">
+                    <m:sSup>
+                      <m:sSupPr>
+                        <m:ctrlPr>
+                          <a:rPr lang="en-US" b="0" i="1" smtClean="0">
+                            <a:latin typeface="Cambria Math" panose="02040503050406030204" pitchFamily="18" charset="0"/>
+                          </a:rPr>
+                        </m:ctrlPr>
+                      </m:sSupPr>
+                      <m:e>
+                        <m:r>
+                          <a:rPr lang="en-US" b="0" i="1" smtClean="0">
+                            <a:latin typeface="Cambria Math" panose="02040503050406030204" pitchFamily="18" charset="0"/>
+                          </a:rPr>
+                          <m:t>𝑥</m:t>
+                        </m:r>
+                      </m:e>
+                      <m:sup>
+                        <m:r>
+                          <a:rPr lang="en-US" b="0" i="1" smtClean="0">
+                            <a:latin typeface="Cambria Math" panose="02040503050406030204" pitchFamily="18" charset="0"/>
+                          </a:rPr>
+                          <m:t>′</m:t>
+                        </m:r>
+                      </m:sup>
+                    </m:sSup>
+                    <m:r>
+                      <a:rPr lang="en-US" b="0" i="1" smtClean="0">
+                        <a:latin typeface="Cambria Math" panose="02040503050406030204" pitchFamily="18" charset="0"/>
+                      </a:rPr>
+                      <m:t>←</m:t>
+                    </m:r>
+                    <m:r>
+                      <a:rPr lang="en-US" b="0" i="1" smtClean="0">
+                        <a:latin typeface="Cambria Math" panose="02040503050406030204" pitchFamily="18" charset="0"/>
+                      </a:rPr>
+                      <m:t>𝑥</m:t>
+                    </m:r>
+                    <m:r>
+                      <a:rPr lang="en-US" b="0" i="1" smtClean="0">
+                        <a:latin typeface="Cambria Math" panose="02040503050406030204" pitchFamily="18" charset="0"/>
+                      </a:rPr>
+                      <m:t>+</m:t>
+                    </m:r>
+                    <m:r>
+                      <a:rPr lang="en-US" i="1">
+                        <a:latin typeface="Cambria Math" panose="02040503050406030204" pitchFamily="18" charset="0"/>
+                      </a:rPr>
+                      <m:t>𝜖</m:t>
+                    </m:r>
+                    <m:func>
+                      <m:funcPr>
+                        <m:ctrlPr>
+                          <a:rPr lang="en-US" b="0" i="1" smtClean="0">
+                            <a:latin typeface="Cambria Math" panose="02040503050406030204" pitchFamily="18" charset="0"/>
+                          </a:rPr>
+                        </m:ctrlPr>
+                      </m:funcPr>
+                      <m:fName>
+                        <m:r>
+                          <m:rPr>
+                            <m:sty m:val="p"/>
+                          </m:rPr>
+                          <a:rPr lang="en-US" b="0" i="0" smtClean="0">
+                            <a:latin typeface="Cambria Math" panose="02040503050406030204" pitchFamily="18" charset="0"/>
+                          </a:rPr>
+                          <m:t>sgn</m:t>
+                        </m:r>
+                      </m:fName>
+                      <m:e>
+                        <m:sSub>
+                          <m:sSubPr>
+                            <m:ctrlPr>
+                              <a:rPr lang="en-US" i="1">
+                                <a:latin typeface="Cambria Math" panose="02040503050406030204" pitchFamily="18" charset="0"/>
+                              </a:rPr>
+                            </m:ctrlPr>
+                          </m:sSubPr>
+                          <m:e>
+                            <m:r>
+                              <m:rPr>
+                                <m:sty m:val="p"/>
+                              </m:rPr>
+                              <a:rPr lang="en-US">
+                                <a:latin typeface="Cambria Math" panose="02040503050406030204" pitchFamily="18" charset="0"/>
+                              </a:rPr>
+                              <m:t>∇</m:t>
+                            </m:r>
+                          </m:e>
+                          <m:sub>
+                            <m:r>
+                              <a:rPr lang="en-US" i="1">
+                                <a:latin typeface="Cambria Math" panose="02040503050406030204" pitchFamily="18" charset="0"/>
+                              </a:rPr>
+                              <m:t>𝑥</m:t>
+                            </m:r>
+                          </m:sub>
+                        </m:sSub>
+                        <m:r>
+                          <m:rPr>
+                            <m:sty m:val="p"/>
+                          </m:rPr>
+                          <a:rPr lang="en-US" i="1">
+                            <a:latin typeface="Cambria Math" panose="02040503050406030204" pitchFamily="18" charset="0"/>
+                          </a:rPr>
+                          <m:t>J</m:t>
+                        </m:r>
+                        <m:d>
+                          <m:dPr>
+                            <m:ctrlPr>
+                              <a:rPr lang="en-US" i="1">
+                                <a:latin typeface="Cambria Math" panose="02040503050406030204" pitchFamily="18" charset="0"/>
+                              </a:rPr>
+                            </m:ctrlPr>
+                          </m:dPr>
+                          <m:e>
+                            <m:r>
+                              <a:rPr lang="en-US" i="1">
+                                <a:latin typeface="Cambria Math" panose="02040503050406030204" pitchFamily="18" charset="0"/>
+                              </a:rPr>
+                              <m:t>𝜃</m:t>
+                            </m:r>
+                            <m:r>
+                              <a:rPr lang="en-US" i="1">
+                                <a:latin typeface="Cambria Math" panose="02040503050406030204" pitchFamily="18" charset="0"/>
+                              </a:rPr>
+                              <m:t>,</m:t>
+                            </m:r>
+                            <m:r>
+                              <a:rPr lang="en-US" i="1">
+                                <a:latin typeface="Cambria Math" panose="02040503050406030204" pitchFamily="18" charset="0"/>
+                              </a:rPr>
+                              <m:t>𝑥</m:t>
+                            </m:r>
+                            <m:r>
+                              <a:rPr lang="en-US" i="1">
+                                <a:latin typeface="Cambria Math" panose="02040503050406030204" pitchFamily="18" charset="0"/>
+                              </a:rPr>
+                              <m:t>,</m:t>
+                            </m:r>
+                            <m:r>
+                              <a:rPr lang="en-US" i="1">
+                                <a:latin typeface="Cambria Math" panose="02040503050406030204" pitchFamily="18" charset="0"/>
+                              </a:rPr>
+                              <m:t>𝑦</m:t>
+                            </m:r>
+                          </m:e>
+                        </m:d>
+                      </m:e>
+                    </m:func>
+                  </m:oMath>
+                </a14:m>
+                <a:endParaRPr lang="en-US" dirty="0"/>
+              </a:p>
+              <a:p>
+                <a:r>
+                  <a:rPr lang="en-US" dirty="0"/>
+                  <a:t>One step, no iteration</a:t>
+                </a:r>
+                <a:endParaRPr lang="en-SE" dirty="0"/>
+              </a:p>
+            </p:txBody>
+          </p:sp>
+        </mc:Choice>
+        <mc:Fallback>
+          <p:sp>
+            <p:nvSpPr>
+              <p:cNvPr id="3" name="Content Placeholder 2">
+                <a:extLst>
+                  <a:ext uri="{FF2B5EF4-FFF2-40B4-BE49-F238E27FC236}">
+                    <a16:creationId xmlns:a16="http://schemas.microsoft.com/office/drawing/2014/main" id="{09FF4388-28EA-47AC-BA6A-AE00DC2F0220}"/>
+                  </a:ext>
+                </a:extLst>
+              </p:cNvPr>
+              <p:cNvSpPr>
+                <a:spLocks noGrp="1" noRot="1" noChangeAspect="1" noMove="1" noResize="1" noEditPoints="1" noAdjustHandles="1" noChangeArrowheads="1" noChangeShapeType="1" noTextEdit="1"/>
+              </p:cNvSpPr>
+              <p:nvPr>
+                <p:ph idx="1"/>
+              </p:nvPr>
+            </p:nvSpPr>
+            <p:spPr>
+              <a:blipFill>
+                <a:blip r:embed="rId2"/>
+                <a:stretch>
+                  <a:fillRect l="-1704" t="-1553"/>
+                </a:stretch>
+              </a:blipFill>
+            </p:spPr>
+            <p:txBody>
+              <a:bodyPr/>
+              <a:lstStyle/>
+              <a:p>
+                <a:r>
+                  <a:rPr lang="en-SE">
+                    <a:noFill/>
+                  </a:rPr>
+                  <a:t> </a:t>
+                </a:r>
+              </a:p>
+            </p:txBody>
+          </p:sp>
+        </mc:Fallback>
+      </mc:AlternateContent>
+      <p:sp>
+        <p:nvSpPr>
+          <p:cNvPr id="4" name="Slide Number Placeholder 3">
+            <a:extLst>
+              <a:ext uri="{FF2B5EF4-FFF2-40B4-BE49-F238E27FC236}">
+                <a16:creationId xmlns:a16="http://schemas.microsoft.com/office/drawing/2014/main" id="{62DBD5F4-10E8-4430-A583-318B2B16D2AC}"/>
+              </a:ext>
+            </a:extLst>
+          </p:cNvPr>
+          <p:cNvSpPr>
+            <a:spLocks noGrp="1"/>
+          </p:cNvSpPr>
+          <p:nvPr>
+            <p:ph type="sldNum" sz="quarter" idx="12"/>
+          </p:nvPr>
+        </p:nvSpPr>
+        <p:spPr/>
+        <p:txBody>
+          <a:bodyPr/>
+          <a:lstStyle/>
+          <a:p>
+            <a:pPr>
+              <a:defRPr/>
+            </a:pPr>
+            <a:fld id="{F57F456A-00AF-44E6-8D70-638C0D0130FF}" type="slidenum">
+              <a:rPr lang="en-US" altLang="zh-CN" smtClean="0"/>
+              <a:pPr>
+                <a:defRPr/>
+              </a:pPr>
+              <a:t>8</a:t>
+            </a:fld>
+            <a:endParaRPr lang="en-US" altLang="zh-CN"/>
+          </a:p>
+        </p:txBody>
+      </p:sp>
+    </p:spTree>
+    <p:extLst>
+      <p:ext uri="{BB962C8B-B14F-4D97-AF65-F5344CB8AC3E}">
+        <p14:creationId xmlns:p14="http://schemas.microsoft.com/office/powerpoint/2010/main" val="3294104625"/>
       </p:ext>
     </p:extLst>
   </p:cSld>
